--- a/poster.pptx
+++ b/poster.pptx
@@ -34,7 +34,7 @@
       </p:grpSpPr>
       <p:sp>
         <p:nvSpPr>
-          <p:cNvPr id="37" name="PlaceHolder 1"/>
+          <p:cNvPr id="38" name="PlaceHolder 1"/>
           <p:cNvSpPr>
             <a:spLocks noGrp="1"/>
           </p:cNvSpPr>
@@ -61,7 +61,139 @@
               <a:rPr b="0" lang="en-US" sz="4400" spc="-1" strike="noStrike">
                 <a:latin typeface="Arial"/>
               </a:rPr>
-              <a:t>Click to move the slide</a:t>
+              <a:t>C</a:t>
+            </a:r>
+            <a:r>
+              <a:rPr b="0" lang="en-US" sz="4400" spc="-1" strike="noStrike">
+                <a:latin typeface="Arial"/>
+              </a:rPr>
+              <a:t>l</a:t>
+            </a:r>
+            <a:r>
+              <a:rPr b="0" lang="en-US" sz="4400" spc="-1" strike="noStrike">
+                <a:latin typeface="Arial"/>
+              </a:rPr>
+              <a:t>i</a:t>
+            </a:r>
+            <a:r>
+              <a:rPr b="0" lang="en-US" sz="4400" spc="-1" strike="noStrike">
+                <a:latin typeface="Arial"/>
+              </a:rPr>
+              <a:t>c</a:t>
+            </a:r>
+            <a:r>
+              <a:rPr b="0" lang="en-US" sz="4400" spc="-1" strike="noStrike">
+                <a:latin typeface="Arial"/>
+              </a:rPr>
+              <a:t>k</a:t>
+            </a:r>
+            <a:r>
+              <a:rPr b="0" lang="en-US" sz="4400" spc="-1" strike="noStrike">
+                <a:latin typeface="Arial"/>
+              </a:rPr>
+              <a:t> </a:t>
+            </a:r>
+            <a:r>
+              <a:rPr b="0" lang="en-US" sz="4400" spc="-1" strike="noStrike">
+                <a:latin typeface="Arial"/>
+              </a:rPr>
+              <a:t>t</a:t>
+            </a:r>
+            <a:r>
+              <a:rPr b="0" lang="en-US" sz="4400" spc="-1" strike="noStrike">
+                <a:latin typeface="Arial"/>
+              </a:rPr>
+              <a:t>o</a:t>
+            </a:r>
+            <a:r>
+              <a:rPr b="0" lang="en-US" sz="4400" spc="-1" strike="noStrike">
+                <a:latin typeface="Arial"/>
+              </a:rPr>
+              <a:t> </a:t>
+            </a:r>
+            <a:r>
+              <a:rPr b="0" lang="en-US" sz="4400" spc="-1" strike="noStrike">
+                <a:latin typeface="Arial"/>
+              </a:rPr>
+              <a:t>m</a:t>
+            </a:r>
+            <a:r>
+              <a:rPr b="0" lang="en-US" sz="4400" spc="-1" strike="noStrike">
+                <a:latin typeface="Arial"/>
+              </a:rPr>
+              <a:t>o</a:t>
+            </a:r>
+            <a:r>
+              <a:rPr b="0" lang="en-US" sz="4400" spc="-1" strike="noStrike">
+                <a:latin typeface="Arial"/>
+              </a:rPr>
+              <a:t>v</a:t>
+            </a:r>
+            <a:r>
+              <a:rPr b="0" lang="en-US" sz="4400" spc="-1" strike="noStrike">
+                <a:latin typeface="Arial"/>
+              </a:rPr>
+              <a:t>e</a:t>
+            </a:r>
+            <a:r>
+              <a:rPr b="0" lang="en-US" sz="4400" spc="-1" strike="noStrike">
+                <a:latin typeface="Arial"/>
+              </a:rPr>
+              <a:t> </a:t>
+            </a:r>
+            <a:r>
+              <a:rPr b="0" lang="en-US" sz="4400" spc="-1" strike="noStrike">
+                <a:latin typeface="Arial"/>
+              </a:rPr>
+              <a:t>t</a:t>
+            </a:r>
+            <a:r>
+              <a:rPr b="0" lang="en-US" sz="4400" spc="-1" strike="noStrike">
+                <a:latin typeface="Arial"/>
+              </a:rPr>
+              <a:t>h</a:t>
+            </a:r>
+            <a:r>
+              <a:rPr b="0" lang="en-US" sz="4400" spc="-1" strike="noStrike">
+                <a:latin typeface="Arial"/>
+              </a:rPr>
+              <a:t>e</a:t>
+            </a:r>
+            <a:r>
+              <a:rPr b="0" lang="en-US" sz="4400" spc="-1" strike="noStrike">
+                <a:latin typeface="Arial"/>
+              </a:rPr>
+              <a:t> </a:t>
+            </a:r>
+            <a:r>
+              <a:rPr b="0" lang="en-US" sz="4400" spc="-1" strike="noStrike">
+                <a:latin typeface="Arial"/>
+              </a:rPr>
+              <a:t>s</a:t>
+            </a:r>
+            <a:r>
+              <a:rPr b="0" lang="en-US" sz="4400" spc="-1" strike="noStrike">
+                <a:latin typeface="Arial"/>
+              </a:rPr>
+              <a:t>l</a:t>
+            </a:r>
+            <a:r>
+              <a:rPr b="0" lang="en-US" sz="4400" spc="-1" strike="noStrike">
+                <a:latin typeface="Arial"/>
+              </a:rPr>
+              <a:t>i</a:t>
+            </a:r>
+            <a:r>
+              <a:rPr b="0" lang="en-US" sz="4400" spc="-1" strike="noStrike">
+                <a:latin typeface="Arial"/>
+              </a:rPr>
+              <a:t>d</a:t>
+            </a:r>
+            <a:r>
+              <a:rPr b="0" lang="en-US" sz="4400" spc="-1" strike="noStrike">
+                <a:latin typeface="Arial"/>
+              </a:rPr>
+              <a:t>e</a:t>
             </a:r>
             <a:endParaRPr b="0" lang="en-US" sz="4400" spc="-1" strike="noStrike">
               <a:latin typeface="Arial"/>
@@ -71,7 +203,7 @@
       </p:sp>
       <p:sp>
         <p:nvSpPr>
-          <p:cNvPr id="38" name="PlaceHolder 2"/>
+          <p:cNvPr id="39" name="PlaceHolder 2"/>
           <p:cNvSpPr>
             <a:spLocks noGrp="1"/>
           </p:cNvSpPr>
@@ -97,19 +229,7 @@
               <a:rPr b="0" lang="en-US" sz="2000" spc="-1" strike="noStrike">
                 <a:latin typeface="Arial"/>
               </a:rPr>
-              <a:t>Click to edit </a:t>
-            </a:r>
-            <a:r>
-              <a:rPr b="0" lang="en-US" sz="2000" spc="-1" strike="noStrike">
-                <a:latin typeface="Arial"/>
-              </a:rPr>
-              <a:t>the notes </a:t>
-            </a:r>
-            <a:r>
-              <a:rPr b="0" lang="en-US" sz="2000" spc="-1" strike="noStrike">
-                <a:latin typeface="Arial"/>
-              </a:rPr>
-              <a:t>format</a:t>
+              <a:t>Click to edit the notes format</a:t>
             </a:r>
             <a:endParaRPr b="0" lang="en-US" sz="2000" spc="-1" strike="noStrike">
               <a:latin typeface="Arial"/>
@@ -119,7 +239,7 @@
       </p:sp>
       <p:sp>
         <p:nvSpPr>
-          <p:cNvPr id="39" name="PlaceHolder 3"/>
+          <p:cNvPr id="40" name="PlaceHolder 3"/>
           <p:cNvSpPr>
             <a:spLocks noGrp="1"/>
           </p:cNvSpPr>
@@ -155,7 +275,7 @@
       </p:sp>
       <p:sp>
         <p:nvSpPr>
-          <p:cNvPr id="40" name="PlaceHolder 4"/>
+          <p:cNvPr id="41" name="PlaceHolder 4"/>
           <p:cNvSpPr>
             <a:spLocks noGrp="1"/>
           </p:cNvSpPr>
@@ -192,7 +312,7 @@
       </p:sp>
       <p:sp>
         <p:nvSpPr>
-          <p:cNvPr id="41" name="PlaceHolder 5"/>
+          <p:cNvPr id="42" name="PlaceHolder 5"/>
           <p:cNvSpPr>
             <a:spLocks noGrp="1"/>
           </p:cNvSpPr>
@@ -228,7 +348,7 @@
       </p:sp>
       <p:sp>
         <p:nvSpPr>
-          <p:cNvPr id="42" name="PlaceHolder 6"/>
+          <p:cNvPr id="43" name="PlaceHolder 6"/>
           <p:cNvSpPr>
             <a:spLocks noGrp="1"/>
           </p:cNvSpPr>
@@ -251,7 +371,7 @@
           </a:bodyPr>
           <a:p>
             <a:pPr algn="r"/>
-            <a:fld id="{22B72600-2B5B-423E-9B33-A539B324EBAC}" type="slidenum">
+            <a:fld id="{5DF6D1C0-2CDB-49B9-81AD-45174496A8CD}" type="slidenum">
               <a:rPr b="0" lang="en-US" sz="1400" spc="-1" strike="noStrike">
                 <a:latin typeface="Times New Roman"/>
               </a:rPr>
@@ -288,14 +408,14 @@
       </p:grpSpPr>
       <p:sp>
         <p:nvSpPr>
-          <p:cNvPr id="77" name="CustomShape 1"/>
+          <p:cNvPr id="82" name="CustomShape 1"/>
           <p:cNvSpPr/>
           <p:nvPr/>
         </p:nvSpPr>
         <p:spPr>
           <a:xfrm>
             <a:off x="3884760" y="8685360"/>
-            <a:ext cx="2971080" cy="456480"/>
+            <a:ext cx="2970720" cy="456120"/>
           </a:xfrm>
           <a:prstGeom prst="rect">
             <a:avLst/>
@@ -321,7 +441,7 @@
                 <a:spcPct val="100000"/>
               </a:lnSpc>
             </a:pPr>
-            <a:fld id="{A12CE2E7-6883-440C-80EC-8991A41B48F0}" type="slidenum">
+            <a:fld id="{FC1C9FB1-732A-49E4-BAFF-1620FD86D2ED}" type="slidenum">
               <a:rPr b="0" lang="en-US" sz="1200" spc="-1" strike="noStrike">
                 <a:solidFill>
                   <a:srgbClr val="000000"/>
@@ -338,7 +458,7 @@
       </p:sp>
       <p:sp>
         <p:nvSpPr>
-          <p:cNvPr id="78" name="PlaceHolder 2"/>
+          <p:cNvPr id="83" name="PlaceHolder 2"/>
           <p:cNvSpPr>
             <a:spLocks noGrp="1"/>
           </p:cNvSpPr>
@@ -349,16 +469,16 @@
         <p:spPr>
           <a:xfrm>
             <a:off x="1714680" y="685800"/>
-            <a:ext cx="3428280" cy="3428280"/>
-          </a:xfrm>
-          <a:prstGeom prst="rect">
-            <a:avLst/>
-          </a:prstGeom>
-        </p:spPr>
-      </p:sp>
-      <p:sp>
-        <p:nvSpPr>
-          <p:cNvPr id="79" name="PlaceHolder 3"/>
+            <a:ext cx="3427920" cy="3427920"/>
+          </a:xfrm>
+          <a:prstGeom prst="rect">
+            <a:avLst/>
+          </a:prstGeom>
+        </p:spPr>
+      </p:sp>
+      <p:sp>
+        <p:nvSpPr>
+          <p:cNvPr id="84" name="PlaceHolder 3"/>
           <p:cNvSpPr>
             <a:spLocks noGrp="1"/>
           </p:cNvSpPr>
@@ -369,7 +489,7 @@
         <p:spPr>
           <a:xfrm>
             <a:off x="685800" y="4343400"/>
-            <a:ext cx="5485680" cy="4114080"/>
+            <a:ext cx="5485320" cy="4113720"/>
           </a:xfrm>
           <a:prstGeom prst="rect">
             <a:avLst/>
@@ -432,7 +552,7 @@
       </p:grpSpPr>
       <p:sp>
         <p:nvSpPr>
-          <p:cNvPr id="22" name="PlaceHolder 1"/>
+          <p:cNvPr id="23" name="PlaceHolder 1"/>
           <p:cNvSpPr>
             <a:spLocks noGrp="1"/>
           </p:cNvSpPr>
@@ -443,7 +563,7 @@
         <p:spPr>
           <a:xfrm>
             <a:off x="2880720" y="11931120"/>
-            <a:ext cx="32643000" cy="8229960"/>
+            <a:ext cx="32642640" cy="8229600"/>
           </a:xfrm>
           <a:prstGeom prst="rect">
             <a:avLst/>
@@ -463,7 +583,7 @@
       </p:sp>
       <p:sp>
         <p:nvSpPr>
-          <p:cNvPr id="23" name="PlaceHolder 2"/>
+          <p:cNvPr id="24" name="PlaceHolder 2"/>
           <p:cNvSpPr>
             <a:spLocks noGrp="1"/>
           </p:cNvSpPr>
@@ -474,7 +594,7 @@
         <p:spPr>
           <a:xfrm>
             <a:off x="1920240" y="8986680"/>
-            <a:ext cx="34563960" cy="10624680"/>
+            <a:ext cx="34563600" cy="10624320"/>
           </a:xfrm>
           <a:prstGeom prst="rect">
             <a:avLst/>
@@ -493,7 +613,7 @@
       </p:sp>
       <p:sp>
         <p:nvSpPr>
-          <p:cNvPr id="24" name="PlaceHolder 3"/>
+          <p:cNvPr id="25" name="PlaceHolder 3"/>
           <p:cNvSpPr>
             <a:spLocks noGrp="1"/>
           </p:cNvSpPr>
@@ -503,8 +623,8 @@
         </p:nvSpPr>
         <p:spPr>
           <a:xfrm>
-            <a:off x="1920240" y="20621160"/>
-            <a:ext cx="34563960" cy="10624680"/>
+            <a:off x="1920240" y="20620800"/>
+            <a:ext cx="34563600" cy="10624320"/>
           </a:xfrm>
           <a:prstGeom prst="rect">
             <a:avLst/>
@@ -545,7 +665,7 @@
       </p:grpSpPr>
       <p:sp>
         <p:nvSpPr>
-          <p:cNvPr id="25" name="PlaceHolder 1"/>
+          <p:cNvPr id="26" name="PlaceHolder 1"/>
           <p:cNvSpPr>
             <a:spLocks noGrp="1"/>
           </p:cNvSpPr>
@@ -556,7 +676,7 @@
         <p:spPr>
           <a:xfrm>
             <a:off x="2880720" y="11931120"/>
-            <a:ext cx="32643000" cy="8229960"/>
+            <a:ext cx="32642640" cy="8229600"/>
           </a:xfrm>
           <a:prstGeom prst="rect">
             <a:avLst/>
@@ -576,7 +696,7 @@
       </p:sp>
       <p:sp>
         <p:nvSpPr>
-          <p:cNvPr id="26" name="PlaceHolder 2"/>
+          <p:cNvPr id="27" name="PlaceHolder 2"/>
           <p:cNvSpPr>
             <a:spLocks noGrp="1"/>
           </p:cNvSpPr>
@@ -587,7 +707,7 @@
         <p:spPr>
           <a:xfrm>
             <a:off x="1920240" y="8986680"/>
-            <a:ext cx="16867080" cy="10624680"/>
+            <a:ext cx="16866720" cy="10624320"/>
           </a:xfrm>
           <a:prstGeom prst="rect">
             <a:avLst/>
@@ -606,7 +726,7 @@
       </p:sp>
       <p:sp>
         <p:nvSpPr>
-          <p:cNvPr id="27" name="PlaceHolder 3"/>
+          <p:cNvPr id="28" name="PlaceHolder 3"/>
           <p:cNvSpPr>
             <a:spLocks noGrp="1"/>
           </p:cNvSpPr>
@@ -616,8 +736,8 @@
         </p:nvSpPr>
         <p:spPr>
           <a:xfrm>
-            <a:off x="19631160" y="8986680"/>
-            <a:ext cx="16867080" cy="10624680"/>
+            <a:off x="19630800" y="8986680"/>
+            <a:ext cx="16866720" cy="10624320"/>
           </a:xfrm>
           <a:prstGeom prst="rect">
             <a:avLst/>
@@ -636,7 +756,7 @@
       </p:sp>
       <p:sp>
         <p:nvSpPr>
-          <p:cNvPr id="28" name="PlaceHolder 4"/>
+          <p:cNvPr id="29" name="PlaceHolder 4"/>
           <p:cNvSpPr>
             <a:spLocks noGrp="1"/>
           </p:cNvSpPr>
@@ -646,8 +766,8 @@
         </p:nvSpPr>
         <p:spPr>
           <a:xfrm>
-            <a:off x="1920240" y="20621160"/>
-            <a:ext cx="16867080" cy="10624680"/>
+            <a:off x="1920240" y="20620800"/>
+            <a:ext cx="16866720" cy="10624320"/>
           </a:xfrm>
           <a:prstGeom prst="rect">
             <a:avLst/>
@@ -666,7 +786,7 @@
       </p:sp>
       <p:sp>
         <p:nvSpPr>
-          <p:cNvPr id="29" name="PlaceHolder 5"/>
+          <p:cNvPr id="30" name="PlaceHolder 5"/>
           <p:cNvSpPr>
             <a:spLocks noGrp="1"/>
           </p:cNvSpPr>
@@ -676,8 +796,8 @@
         </p:nvSpPr>
         <p:spPr>
           <a:xfrm>
-            <a:off x="19631160" y="20621160"/>
-            <a:ext cx="16867080" cy="10624680"/>
+            <a:off x="19630800" y="20620800"/>
+            <a:ext cx="16866720" cy="10624320"/>
           </a:xfrm>
           <a:prstGeom prst="rect">
             <a:avLst/>
@@ -718,7 +838,7 @@
       </p:grpSpPr>
       <p:sp>
         <p:nvSpPr>
-          <p:cNvPr id="30" name="PlaceHolder 1"/>
+          <p:cNvPr id="31" name="PlaceHolder 1"/>
           <p:cNvSpPr>
             <a:spLocks noGrp="1"/>
           </p:cNvSpPr>
@@ -729,7 +849,7 @@
         <p:spPr>
           <a:xfrm>
             <a:off x="2880720" y="11931120"/>
-            <a:ext cx="32643000" cy="8229960"/>
+            <a:ext cx="32642640" cy="8229600"/>
           </a:xfrm>
           <a:prstGeom prst="rect">
             <a:avLst/>
@@ -749,7 +869,7 @@
       </p:sp>
       <p:sp>
         <p:nvSpPr>
-          <p:cNvPr id="31" name="PlaceHolder 2"/>
+          <p:cNvPr id="32" name="PlaceHolder 2"/>
           <p:cNvSpPr>
             <a:spLocks noGrp="1"/>
           </p:cNvSpPr>
@@ -760,7 +880,7 @@
         <p:spPr>
           <a:xfrm>
             <a:off x="1920240" y="8986680"/>
-            <a:ext cx="11129400" cy="10624680"/>
+            <a:ext cx="11129400" cy="10624320"/>
           </a:xfrm>
           <a:prstGeom prst="rect">
             <a:avLst/>
@@ -779,7 +899,7 @@
       </p:sp>
       <p:sp>
         <p:nvSpPr>
-          <p:cNvPr id="32" name="PlaceHolder 3"/>
+          <p:cNvPr id="33" name="PlaceHolder 3"/>
           <p:cNvSpPr>
             <a:spLocks noGrp="1"/>
           </p:cNvSpPr>
@@ -790,7 +910,7 @@
         <p:spPr>
           <a:xfrm>
             <a:off x="13606560" y="8986680"/>
-            <a:ext cx="11129400" cy="10624680"/>
+            <a:ext cx="11129400" cy="10624320"/>
           </a:xfrm>
           <a:prstGeom prst="rect">
             <a:avLst/>
@@ -809,7 +929,7 @@
       </p:sp>
       <p:sp>
         <p:nvSpPr>
-          <p:cNvPr id="33" name="PlaceHolder 4"/>
+          <p:cNvPr id="34" name="PlaceHolder 4"/>
           <p:cNvSpPr>
             <a:spLocks noGrp="1"/>
           </p:cNvSpPr>
@@ -820,7 +940,7 @@
         <p:spPr>
           <a:xfrm>
             <a:off x="25292880" y="8986680"/>
-            <a:ext cx="11129400" cy="10624680"/>
+            <a:ext cx="11129400" cy="10624320"/>
           </a:xfrm>
           <a:prstGeom prst="rect">
             <a:avLst/>
@@ -839,7 +959,7 @@
       </p:sp>
       <p:sp>
         <p:nvSpPr>
-          <p:cNvPr id="34" name="PlaceHolder 5"/>
+          <p:cNvPr id="35" name="PlaceHolder 5"/>
           <p:cNvSpPr>
             <a:spLocks noGrp="1"/>
           </p:cNvSpPr>
@@ -849,8 +969,8 @@
         </p:nvSpPr>
         <p:spPr>
           <a:xfrm>
-            <a:off x="1920240" y="20621160"/>
-            <a:ext cx="11129400" cy="10624680"/>
+            <a:off x="1920240" y="20620800"/>
+            <a:ext cx="11129400" cy="10624320"/>
           </a:xfrm>
           <a:prstGeom prst="rect">
             <a:avLst/>
@@ -869,7 +989,7 @@
       </p:sp>
       <p:sp>
         <p:nvSpPr>
-          <p:cNvPr id="35" name="PlaceHolder 6"/>
+          <p:cNvPr id="36" name="PlaceHolder 6"/>
           <p:cNvSpPr>
             <a:spLocks noGrp="1"/>
           </p:cNvSpPr>
@@ -879,8 +999,8 @@
         </p:nvSpPr>
         <p:spPr>
           <a:xfrm>
-            <a:off x="13606560" y="20621160"/>
-            <a:ext cx="11129400" cy="10624680"/>
+            <a:off x="13606560" y="20620800"/>
+            <a:ext cx="11129400" cy="10624320"/>
           </a:xfrm>
           <a:prstGeom prst="rect">
             <a:avLst/>
@@ -899,7 +1019,7 @@
       </p:sp>
       <p:sp>
         <p:nvSpPr>
-          <p:cNvPr id="36" name="PlaceHolder 7"/>
+          <p:cNvPr id="37" name="PlaceHolder 7"/>
           <p:cNvSpPr>
             <a:spLocks noGrp="1"/>
           </p:cNvSpPr>
@@ -909,8 +1029,8 @@
         </p:nvSpPr>
         <p:spPr>
           <a:xfrm>
-            <a:off x="25292880" y="20621160"/>
-            <a:ext cx="11129400" cy="10624680"/>
+            <a:off x="25292880" y="20620800"/>
+            <a:ext cx="11129400" cy="10624320"/>
           </a:xfrm>
           <a:prstGeom prst="rect">
             <a:avLst/>
@@ -951,7 +1071,7 @@
       </p:grpSpPr>
       <p:sp>
         <p:nvSpPr>
-          <p:cNvPr id="1" name="PlaceHolder 1"/>
+          <p:cNvPr id="2" name="PlaceHolder 1"/>
           <p:cNvSpPr>
             <a:spLocks noGrp="1"/>
           </p:cNvSpPr>
@@ -962,7 +1082,7 @@
         <p:spPr>
           <a:xfrm>
             <a:off x="2880720" y="11931120"/>
-            <a:ext cx="32643000" cy="8229960"/>
+            <a:ext cx="32642640" cy="8229600"/>
           </a:xfrm>
           <a:prstGeom prst="rect">
             <a:avLst/>
@@ -982,7 +1102,7 @@
       </p:sp>
       <p:sp>
         <p:nvSpPr>
-          <p:cNvPr id="2" name="PlaceHolder 2"/>
+          <p:cNvPr id="3" name="PlaceHolder 2"/>
           <p:cNvSpPr>
             <a:spLocks noGrp="1"/>
           </p:cNvSpPr>
@@ -993,7 +1113,7 @@
         <p:spPr>
           <a:xfrm>
             <a:off x="1920240" y="8986680"/>
-            <a:ext cx="34563960" cy="22274280"/>
+            <a:ext cx="34563600" cy="22273920"/>
           </a:xfrm>
           <a:prstGeom prst="rect">
             <a:avLst/>
@@ -1035,7 +1155,7 @@
       </p:grpSpPr>
       <p:sp>
         <p:nvSpPr>
-          <p:cNvPr id="3" name="PlaceHolder 1"/>
+          <p:cNvPr id="4" name="PlaceHolder 1"/>
           <p:cNvSpPr>
             <a:spLocks noGrp="1"/>
           </p:cNvSpPr>
@@ -1046,7 +1166,7 @@
         <p:spPr>
           <a:xfrm>
             <a:off x="2880720" y="11931120"/>
-            <a:ext cx="32643000" cy="8229960"/>
+            <a:ext cx="32642640" cy="8229600"/>
           </a:xfrm>
           <a:prstGeom prst="rect">
             <a:avLst/>
@@ -1066,7 +1186,7 @@
       </p:sp>
       <p:sp>
         <p:nvSpPr>
-          <p:cNvPr id="4" name="PlaceHolder 2"/>
+          <p:cNvPr id="5" name="PlaceHolder 2"/>
           <p:cNvSpPr>
             <a:spLocks noGrp="1"/>
           </p:cNvSpPr>
@@ -1077,7 +1197,7 @@
         <p:spPr>
           <a:xfrm>
             <a:off x="1920240" y="8986680"/>
-            <a:ext cx="34563960" cy="22274280"/>
+            <a:ext cx="34563600" cy="22273920"/>
           </a:xfrm>
           <a:prstGeom prst="rect">
             <a:avLst/>
@@ -1118,7 +1238,7 @@
       </p:grpSpPr>
       <p:sp>
         <p:nvSpPr>
-          <p:cNvPr id="5" name="PlaceHolder 1"/>
+          <p:cNvPr id="6" name="PlaceHolder 1"/>
           <p:cNvSpPr>
             <a:spLocks noGrp="1"/>
           </p:cNvSpPr>
@@ -1129,7 +1249,7 @@
         <p:spPr>
           <a:xfrm>
             <a:off x="2880720" y="11931120"/>
-            <a:ext cx="32643000" cy="8229960"/>
+            <a:ext cx="32642640" cy="8229600"/>
           </a:xfrm>
           <a:prstGeom prst="rect">
             <a:avLst/>
@@ -1149,7 +1269,7 @@
       </p:sp>
       <p:sp>
         <p:nvSpPr>
-          <p:cNvPr id="6" name="PlaceHolder 2"/>
+          <p:cNvPr id="7" name="PlaceHolder 2"/>
           <p:cNvSpPr>
             <a:spLocks noGrp="1"/>
           </p:cNvSpPr>
@@ -1160,7 +1280,7 @@
         <p:spPr>
           <a:xfrm>
             <a:off x="1920240" y="8986680"/>
-            <a:ext cx="16867080" cy="22274280"/>
+            <a:ext cx="16866720" cy="22273920"/>
           </a:xfrm>
           <a:prstGeom prst="rect">
             <a:avLst/>
@@ -1179,7 +1299,7 @@
       </p:sp>
       <p:sp>
         <p:nvSpPr>
-          <p:cNvPr id="7" name="PlaceHolder 3"/>
+          <p:cNvPr id="8" name="PlaceHolder 3"/>
           <p:cNvSpPr>
             <a:spLocks noGrp="1"/>
           </p:cNvSpPr>
@@ -1189,8 +1309,8 @@
         </p:nvSpPr>
         <p:spPr>
           <a:xfrm>
-            <a:off x="19631160" y="8986680"/>
-            <a:ext cx="16867080" cy="22274280"/>
+            <a:off x="19630800" y="8986680"/>
+            <a:ext cx="16866720" cy="22273920"/>
           </a:xfrm>
           <a:prstGeom prst="rect">
             <a:avLst/>
@@ -1231,7 +1351,7 @@
       </p:grpSpPr>
       <p:sp>
         <p:nvSpPr>
-          <p:cNvPr id="8" name="PlaceHolder 1"/>
+          <p:cNvPr id="9" name="PlaceHolder 1"/>
           <p:cNvSpPr>
             <a:spLocks noGrp="1"/>
           </p:cNvSpPr>
@@ -1242,7 +1362,7 @@
         <p:spPr>
           <a:xfrm>
             <a:off x="2880720" y="11931120"/>
-            <a:ext cx="32643000" cy="8229960"/>
+            <a:ext cx="32642640" cy="8229600"/>
           </a:xfrm>
           <a:prstGeom prst="rect">
             <a:avLst/>
@@ -1284,7 +1404,7 @@
       </p:grpSpPr>
       <p:sp>
         <p:nvSpPr>
-          <p:cNvPr id="9" name="PlaceHolder 1"/>
+          <p:cNvPr id="10" name="PlaceHolder 1"/>
           <p:cNvSpPr>
             <a:spLocks noGrp="1"/>
           </p:cNvSpPr>
@@ -1295,7 +1415,7 @@
         <p:spPr>
           <a:xfrm>
             <a:off x="2880720" y="11931120"/>
-            <a:ext cx="32643000" cy="38150640"/>
+            <a:ext cx="32642640" cy="38148840"/>
           </a:xfrm>
           <a:prstGeom prst="rect">
             <a:avLst/>
@@ -1337,7 +1457,7 @@
       </p:grpSpPr>
       <p:sp>
         <p:nvSpPr>
-          <p:cNvPr id="10" name="PlaceHolder 1"/>
+          <p:cNvPr id="11" name="PlaceHolder 1"/>
           <p:cNvSpPr>
             <a:spLocks noGrp="1"/>
           </p:cNvSpPr>
@@ -1348,7 +1468,7 @@
         <p:spPr>
           <a:xfrm>
             <a:off x="2880720" y="11931120"/>
-            <a:ext cx="32643000" cy="8229960"/>
+            <a:ext cx="32642640" cy="8229600"/>
           </a:xfrm>
           <a:prstGeom prst="rect">
             <a:avLst/>
@@ -1368,7 +1488,7 @@
       </p:sp>
       <p:sp>
         <p:nvSpPr>
-          <p:cNvPr id="11" name="PlaceHolder 2"/>
+          <p:cNvPr id="12" name="PlaceHolder 2"/>
           <p:cNvSpPr>
             <a:spLocks noGrp="1"/>
           </p:cNvSpPr>
@@ -1379,7 +1499,7 @@
         <p:spPr>
           <a:xfrm>
             <a:off x="1920240" y="8986680"/>
-            <a:ext cx="16867080" cy="10624680"/>
+            <a:ext cx="16866720" cy="10624320"/>
           </a:xfrm>
           <a:prstGeom prst="rect">
             <a:avLst/>
@@ -1398,7 +1518,7 @@
       </p:sp>
       <p:sp>
         <p:nvSpPr>
-          <p:cNvPr id="12" name="PlaceHolder 3"/>
+          <p:cNvPr id="13" name="PlaceHolder 3"/>
           <p:cNvSpPr>
             <a:spLocks noGrp="1"/>
           </p:cNvSpPr>
@@ -1408,8 +1528,8 @@
         </p:nvSpPr>
         <p:spPr>
           <a:xfrm>
-            <a:off x="19631160" y="8986680"/>
-            <a:ext cx="16867080" cy="22274280"/>
+            <a:off x="19630800" y="8986680"/>
+            <a:ext cx="16866720" cy="22273920"/>
           </a:xfrm>
           <a:prstGeom prst="rect">
             <a:avLst/>
@@ -1428,7 +1548,7 @@
       </p:sp>
       <p:sp>
         <p:nvSpPr>
-          <p:cNvPr id="13" name="PlaceHolder 4"/>
+          <p:cNvPr id="14" name="PlaceHolder 4"/>
           <p:cNvSpPr>
             <a:spLocks noGrp="1"/>
           </p:cNvSpPr>
@@ -1438,8 +1558,8 @@
         </p:nvSpPr>
         <p:spPr>
           <a:xfrm>
-            <a:off x="1920240" y="20621160"/>
-            <a:ext cx="16867080" cy="10624680"/>
+            <a:off x="1920240" y="20620800"/>
+            <a:ext cx="16866720" cy="10624320"/>
           </a:xfrm>
           <a:prstGeom prst="rect">
             <a:avLst/>
@@ -1480,7 +1600,7 @@
       </p:grpSpPr>
       <p:sp>
         <p:nvSpPr>
-          <p:cNvPr id="14" name="PlaceHolder 1"/>
+          <p:cNvPr id="15" name="PlaceHolder 1"/>
           <p:cNvSpPr>
             <a:spLocks noGrp="1"/>
           </p:cNvSpPr>
@@ -1491,7 +1611,7 @@
         <p:spPr>
           <a:xfrm>
             <a:off x="2880720" y="11931120"/>
-            <a:ext cx="32643000" cy="8229960"/>
+            <a:ext cx="32642640" cy="8229600"/>
           </a:xfrm>
           <a:prstGeom prst="rect">
             <a:avLst/>
@@ -1511,7 +1631,7 @@
       </p:sp>
       <p:sp>
         <p:nvSpPr>
-          <p:cNvPr id="15" name="PlaceHolder 2"/>
+          <p:cNvPr id="16" name="PlaceHolder 2"/>
           <p:cNvSpPr>
             <a:spLocks noGrp="1"/>
           </p:cNvSpPr>
@@ -1522,7 +1642,7 @@
         <p:spPr>
           <a:xfrm>
             <a:off x="1920240" y="8986680"/>
-            <a:ext cx="16867080" cy="22274280"/>
+            <a:ext cx="16866720" cy="22273920"/>
           </a:xfrm>
           <a:prstGeom prst="rect">
             <a:avLst/>
@@ -1541,7 +1661,7 @@
       </p:sp>
       <p:sp>
         <p:nvSpPr>
-          <p:cNvPr id="16" name="PlaceHolder 3"/>
+          <p:cNvPr id="17" name="PlaceHolder 3"/>
           <p:cNvSpPr>
             <a:spLocks noGrp="1"/>
           </p:cNvSpPr>
@@ -1551,8 +1671,8 @@
         </p:nvSpPr>
         <p:spPr>
           <a:xfrm>
-            <a:off x="19631160" y="8986680"/>
-            <a:ext cx="16867080" cy="10624680"/>
+            <a:off x="19630800" y="8986680"/>
+            <a:ext cx="16866720" cy="10624320"/>
           </a:xfrm>
           <a:prstGeom prst="rect">
             <a:avLst/>
@@ -1571,7 +1691,7 @@
       </p:sp>
       <p:sp>
         <p:nvSpPr>
-          <p:cNvPr id="17" name="PlaceHolder 4"/>
+          <p:cNvPr id="18" name="PlaceHolder 4"/>
           <p:cNvSpPr>
             <a:spLocks noGrp="1"/>
           </p:cNvSpPr>
@@ -1581,8 +1701,8 @@
         </p:nvSpPr>
         <p:spPr>
           <a:xfrm>
-            <a:off x="19631160" y="20621160"/>
-            <a:ext cx="16867080" cy="10624680"/>
+            <a:off x="19630800" y="20620800"/>
+            <a:ext cx="16866720" cy="10624320"/>
           </a:xfrm>
           <a:prstGeom prst="rect">
             <a:avLst/>
@@ -1623,7 +1743,7 @@
       </p:grpSpPr>
       <p:sp>
         <p:nvSpPr>
-          <p:cNvPr id="18" name="PlaceHolder 1"/>
+          <p:cNvPr id="19" name="PlaceHolder 1"/>
           <p:cNvSpPr>
             <a:spLocks noGrp="1"/>
           </p:cNvSpPr>
@@ -1634,7 +1754,7 @@
         <p:spPr>
           <a:xfrm>
             <a:off x="2880720" y="11931120"/>
-            <a:ext cx="32643000" cy="8229960"/>
+            <a:ext cx="32642640" cy="8229600"/>
           </a:xfrm>
           <a:prstGeom prst="rect">
             <a:avLst/>
@@ -1654,7 +1774,7 @@
       </p:sp>
       <p:sp>
         <p:nvSpPr>
-          <p:cNvPr id="19" name="PlaceHolder 2"/>
+          <p:cNvPr id="20" name="PlaceHolder 2"/>
           <p:cNvSpPr>
             <a:spLocks noGrp="1"/>
           </p:cNvSpPr>
@@ -1665,7 +1785,7 @@
         <p:spPr>
           <a:xfrm>
             <a:off x="1920240" y="8986680"/>
-            <a:ext cx="16867080" cy="10624680"/>
+            <a:ext cx="16866720" cy="10624320"/>
           </a:xfrm>
           <a:prstGeom prst="rect">
             <a:avLst/>
@@ -1684,7 +1804,7 @@
       </p:sp>
       <p:sp>
         <p:nvSpPr>
-          <p:cNvPr id="20" name="PlaceHolder 3"/>
+          <p:cNvPr id="21" name="PlaceHolder 3"/>
           <p:cNvSpPr>
             <a:spLocks noGrp="1"/>
           </p:cNvSpPr>
@@ -1694,8 +1814,8 @@
         </p:nvSpPr>
         <p:spPr>
           <a:xfrm>
-            <a:off x="19631160" y="8986680"/>
-            <a:ext cx="16867080" cy="10624680"/>
+            <a:off x="19630800" y="8986680"/>
+            <a:ext cx="16866720" cy="10624320"/>
           </a:xfrm>
           <a:prstGeom prst="rect">
             <a:avLst/>
@@ -1714,7 +1834,7 @@
       </p:sp>
       <p:sp>
         <p:nvSpPr>
-          <p:cNvPr id="21" name="PlaceHolder 4"/>
+          <p:cNvPr id="22" name="PlaceHolder 4"/>
           <p:cNvSpPr>
             <a:spLocks noGrp="1"/>
           </p:cNvSpPr>
@@ -1724,8 +1844,8 @@
         </p:nvSpPr>
         <p:spPr>
           <a:xfrm>
-            <a:off x="1920240" y="20621160"/>
-            <a:ext cx="34563960" cy="10624680"/>
+            <a:off x="1920240" y="20620800"/>
+            <a:ext cx="34563600" cy="10624320"/>
           </a:xfrm>
           <a:prstGeom prst="rect">
             <a:avLst/>
@@ -1784,7 +1904,7 @@
         <p:spPr>
           <a:xfrm>
             <a:off x="2880720" y="11931120"/>
-            <a:ext cx="32643000" cy="8229960"/>
+            <a:ext cx="32642640" cy="8229600"/>
           </a:xfrm>
           <a:prstGeom prst="rect">
             <a:avLst/>
@@ -1801,6 +1921,185 @@
                 <a:latin typeface="Arial"/>
               </a:rPr>
               <a:t>Click to edit the title text format</a:t>
+            </a:r>
+            <a:endParaRPr b="0" lang="en-US" sz="1800" spc="-1" strike="noStrike">
+              <a:latin typeface="Arial"/>
+            </a:endParaRPr>
+          </a:p>
+        </p:txBody>
+      </p:sp>
+      <p:sp>
+        <p:nvSpPr>
+          <p:cNvPr id="1" name="PlaceHolder 2"/>
+          <p:cNvSpPr>
+            <a:spLocks noGrp="1"/>
+          </p:cNvSpPr>
+          <p:nvPr>
+            <p:ph type="body"/>
+          </p:nvPr>
+        </p:nvSpPr>
+        <p:spPr>
+          <a:xfrm>
+            <a:off x="1920240" y="8986680"/>
+            <a:ext cx="34563600" cy="22273920"/>
+          </a:xfrm>
+          <a:prstGeom prst="rect">
+            <a:avLst/>
+          </a:prstGeom>
+        </p:spPr>
+        <p:txBody>
+          <a:bodyPr lIns="0" rIns="0" tIns="0" bIns="0">
+            <a:normAutofit/>
+          </a:bodyPr>
+          <a:p>
+            <a:pPr marL="432000" indent="-324000" algn="ctr">
+              <a:spcBef>
+                <a:spcPts val="1417"/>
+              </a:spcBef>
+              <a:buClr>
+                <a:srgbClr val="000000"/>
+              </a:buClr>
+              <a:buSzPct val="45000"/>
+              <a:buFont typeface="Wingdings" charset="2"/>
+              <a:buChar char=""/>
+            </a:pPr>
+            <a:r>
+              <a:rPr b="0" lang="en-US" sz="1800" spc="-1" strike="noStrike">
+                <a:latin typeface="Arial"/>
+              </a:rPr>
+              <a:t>Click to edit the outline text format</a:t>
+            </a:r>
+            <a:endParaRPr b="0" lang="en-US" sz="1800" spc="-1" strike="noStrike">
+              <a:latin typeface="Arial"/>
+            </a:endParaRPr>
+          </a:p>
+          <a:p>
+            <a:pPr lvl="1" marL="864000" indent="-324000" algn="ctr">
+              <a:spcBef>
+                <a:spcPts val="1134"/>
+              </a:spcBef>
+              <a:buClr>
+                <a:srgbClr val="000000"/>
+              </a:buClr>
+              <a:buSzPct val="75000"/>
+              <a:buFont typeface="Symbol" charset="2"/>
+              <a:buChar char=""/>
+            </a:pPr>
+            <a:r>
+              <a:rPr b="0" lang="en-US" sz="1800" spc="-1" strike="noStrike">
+                <a:latin typeface="Arial"/>
+              </a:rPr>
+              <a:t>Second Outline Level</a:t>
+            </a:r>
+            <a:endParaRPr b="0" lang="en-US" sz="1800" spc="-1" strike="noStrike">
+              <a:latin typeface="Arial"/>
+            </a:endParaRPr>
+          </a:p>
+          <a:p>
+            <a:pPr lvl="2" marL="1296000" indent="-288000" algn="ctr">
+              <a:spcBef>
+                <a:spcPts val="850"/>
+              </a:spcBef>
+              <a:buClr>
+                <a:srgbClr val="000000"/>
+              </a:buClr>
+              <a:buSzPct val="45000"/>
+              <a:buFont typeface="Wingdings" charset="2"/>
+              <a:buChar char=""/>
+            </a:pPr>
+            <a:r>
+              <a:rPr b="0" lang="en-US" sz="1800" spc="-1" strike="noStrike">
+                <a:latin typeface="Arial"/>
+              </a:rPr>
+              <a:t>Third Outline Level</a:t>
+            </a:r>
+            <a:endParaRPr b="0" lang="en-US" sz="1800" spc="-1" strike="noStrike">
+              <a:latin typeface="Arial"/>
+            </a:endParaRPr>
+          </a:p>
+          <a:p>
+            <a:pPr lvl="3" marL="1728000" indent="-216000" algn="ctr">
+              <a:spcBef>
+                <a:spcPts val="567"/>
+              </a:spcBef>
+              <a:buClr>
+                <a:srgbClr val="000000"/>
+              </a:buClr>
+              <a:buSzPct val="75000"/>
+              <a:buFont typeface="Symbol" charset="2"/>
+              <a:buChar char=""/>
+            </a:pPr>
+            <a:r>
+              <a:rPr b="0" lang="en-US" sz="1800" spc="-1" strike="noStrike">
+                <a:latin typeface="Arial"/>
+              </a:rPr>
+              <a:t>Fourth Outline Level</a:t>
+            </a:r>
+            <a:endParaRPr b="0" lang="en-US" sz="1800" spc="-1" strike="noStrike">
+              <a:latin typeface="Arial"/>
+            </a:endParaRPr>
+          </a:p>
+          <a:p>
+            <a:pPr lvl="4" marL="2160000" indent="-216000" algn="ctr">
+              <a:spcBef>
+                <a:spcPts val="283"/>
+              </a:spcBef>
+              <a:buClr>
+                <a:srgbClr val="000000"/>
+              </a:buClr>
+              <a:buSzPct val="45000"/>
+              <a:buFont typeface="Wingdings" charset="2"/>
+              <a:buChar char=""/>
+            </a:pPr>
+            <a:r>
+              <a:rPr b="0" lang="en-US" sz="1800" spc="-1" strike="noStrike">
+                <a:latin typeface="Arial"/>
+              </a:rPr>
+              <a:t>Fifth Outline Level</a:t>
+            </a:r>
+            <a:endParaRPr b="0" lang="en-US" sz="1800" spc="-1" strike="noStrike">
+              <a:latin typeface="Arial"/>
+            </a:endParaRPr>
+          </a:p>
+          <a:p>
+            <a:pPr lvl="5" marL="2592000" indent="-216000" algn="ctr">
+              <a:spcBef>
+                <a:spcPts val="283"/>
+              </a:spcBef>
+              <a:buClr>
+                <a:srgbClr val="000000"/>
+              </a:buClr>
+              <a:buSzPct val="45000"/>
+              <a:buFont typeface="Wingdings" charset="2"/>
+              <a:buChar char=""/>
+            </a:pPr>
+            <a:r>
+              <a:rPr b="0" lang="en-US" sz="1800" spc="-1" strike="noStrike">
+                <a:latin typeface="Arial"/>
+              </a:rPr>
+              <a:t>Sixth Outline Level</a:t>
+            </a:r>
+            <a:endParaRPr b="0" lang="en-US" sz="1800" spc="-1" strike="noStrike">
+              <a:latin typeface="Arial"/>
+            </a:endParaRPr>
+          </a:p>
+          <a:p>
+            <a:pPr lvl="6" marL="3024000" indent="-216000" algn="ctr">
+              <a:spcBef>
+                <a:spcPts val="283"/>
+              </a:spcBef>
+              <a:buClr>
+                <a:srgbClr val="000000"/>
+              </a:buClr>
+              <a:buSzPct val="45000"/>
+              <a:buFont typeface="Wingdings" charset="2"/>
+              <a:buChar char=""/>
+            </a:pPr>
+            <a:r>
+              <a:rPr b="0" lang="en-US" sz="1800" spc="-1" strike="noStrike">
+                <a:latin typeface="Arial"/>
+              </a:rPr>
+              <a:t>Seventh Outline Level</a:t>
             </a:r>
             <a:endParaRPr b="0" lang="en-US" sz="1800" spc="-1" strike="noStrike">
               <a:latin typeface="Arial"/>
@@ -1862,14 +2161,14 @@
       </p:grpSpPr>
       <p:sp>
         <p:nvSpPr>
-          <p:cNvPr id="43" name="CustomShape 1"/>
+          <p:cNvPr id="44" name="CustomShape 1"/>
           <p:cNvSpPr/>
           <p:nvPr/>
         </p:nvSpPr>
         <p:spPr>
           <a:xfrm>
             <a:off x="0" y="0"/>
-            <a:ext cx="38404080" cy="4622040"/>
+            <a:ext cx="38403720" cy="4621680"/>
           </a:xfrm>
           <a:prstGeom prst="rect">
             <a:avLst/>
@@ -1968,7 +2267,7 @@
                 <a:latin typeface="Kalinga"/>
                 <a:ea typeface="DejaVu Sans"/>
               </a:rPr>
-              <a:t>Under/Graduate Student At Computer Science Dept., Utah State University5665</a:t>
+              <a:t>Undergraduate Student at Computer Science Dept., Utah State University</a:t>
             </a:r>
             <a:endParaRPr b="0" lang="en-US" sz="4500" spc="-1" strike="noStrike">
               <a:latin typeface="Arial"/>
@@ -1978,14 +2277,14 @@
       </p:sp>
       <p:sp>
         <p:nvSpPr>
-          <p:cNvPr id="44" name="CustomShape 2"/>
+          <p:cNvPr id="45" name="CustomShape 2"/>
           <p:cNvSpPr/>
           <p:nvPr/>
         </p:nvSpPr>
         <p:spPr>
           <a:xfrm>
             <a:off x="224640" y="5067360"/>
-            <a:ext cx="9062280" cy="1199520"/>
+            <a:ext cx="9061920" cy="1199160"/>
           </a:xfrm>
           <a:prstGeom prst="rect">
             <a:avLst/>
@@ -2031,14 +2330,14 @@
       </p:sp>
       <p:sp>
         <p:nvSpPr>
-          <p:cNvPr id="45" name="CustomShape 3"/>
+          <p:cNvPr id="46" name="CustomShape 3"/>
           <p:cNvSpPr/>
           <p:nvPr/>
         </p:nvSpPr>
         <p:spPr>
           <a:xfrm>
             <a:off x="10078920" y="5067360"/>
-            <a:ext cx="18309600" cy="1199520"/>
+            <a:ext cx="18309240" cy="1199160"/>
           </a:xfrm>
           <a:prstGeom prst="rect">
             <a:avLst/>
@@ -2084,14 +2383,14 @@
       </p:sp>
       <p:sp>
         <p:nvSpPr>
-          <p:cNvPr id="46" name="CustomShape 4"/>
+          <p:cNvPr id="47" name="CustomShape 4"/>
           <p:cNvSpPr/>
           <p:nvPr/>
         </p:nvSpPr>
         <p:spPr>
           <a:xfrm>
-            <a:off x="10135080" y="19659600"/>
-            <a:ext cx="18127440" cy="1199520"/>
+            <a:off x="10149840" y="18460440"/>
+            <a:ext cx="18127080" cy="1199160"/>
           </a:xfrm>
           <a:prstGeom prst="rect">
             <a:avLst/>
@@ -2137,14 +2436,14 @@
       </p:sp>
       <p:sp>
         <p:nvSpPr>
-          <p:cNvPr id="47" name="CustomShape 5"/>
+          <p:cNvPr id="48" name="CustomShape 5"/>
           <p:cNvSpPr/>
           <p:nvPr/>
         </p:nvSpPr>
         <p:spPr>
           <a:xfrm>
             <a:off x="29108520" y="5067360"/>
-            <a:ext cx="9062280" cy="1199520"/>
+            <a:ext cx="9061920" cy="1199160"/>
           </a:xfrm>
           <a:prstGeom prst="rect">
             <a:avLst/>
@@ -2190,14 +2489,14 @@
       </p:sp>
       <p:sp>
         <p:nvSpPr>
-          <p:cNvPr id="48" name="CustomShape 6"/>
+          <p:cNvPr id="49" name="CustomShape 6"/>
           <p:cNvSpPr/>
           <p:nvPr/>
         </p:nvSpPr>
         <p:spPr>
           <a:xfrm>
-            <a:off x="29068200" y="31993200"/>
-            <a:ext cx="9062280" cy="1199520"/>
+            <a:off x="29068200" y="32816520"/>
+            <a:ext cx="9061920" cy="1199160"/>
           </a:xfrm>
           <a:prstGeom prst="rect">
             <a:avLst/>
@@ -2243,14 +2542,14 @@
       </p:sp>
       <p:sp>
         <p:nvSpPr>
-          <p:cNvPr id="49" name="CustomShape 7"/>
+          <p:cNvPr id="50" name="CustomShape 7"/>
           <p:cNvSpPr/>
           <p:nvPr/>
         </p:nvSpPr>
         <p:spPr>
           <a:xfrm>
-            <a:off x="602640" y="10533960"/>
-            <a:ext cx="8267040" cy="8851320"/>
+            <a:off x="274320" y="10776600"/>
+            <a:ext cx="9417960" cy="7511040"/>
           </a:xfrm>
           <a:prstGeom prst="rect">
             <a:avLst/>
@@ -2268,6 +2567,240 @@
         </p:style>
         <p:txBody>
           <a:bodyPr lIns="137160" rIns="137160" tIns="68760" bIns="68760">
+            <a:spAutoFit/>
+          </a:bodyPr>
+          <a:p>
+            <a:pPr>
+              <a:lnSpc>
+                <a:spcPct val="100000"/>
+              </a:lnSpc>
+              <a:spcBef>
+                <a:spcPts val="2200"/>
+              </a:spcBef>
+            </a:pPr>
+            <a:r>
+              <a:rPr b="0" lang="en-US" sz="4400" spc="-1" strike="noStrike">
+                <a:solidFill>
+                  <a:srgbClr val="000000"/>
+                </a:solidFill>
+                <a:latin typeface="Kalinga"/>
+                <a:ea typeface="DejaVu Sans"/>
+              </a:rPr>
+              <a:t>Scientists are monitoring  volcanoes with sensors to find if they are close to eruption. They do this by surveying volcanic tremors from seismic signals. The problem is that the patterns from the seismic signals are difficult to interpret. Scientists’ current approach helps predict eruptions in a short time period but fails at long time periods. </a:t>
+            </a:r>
+            <a:endParaRPr b="0" lang="en-US" sz="4400" spc="-1" strike="noStrike">
+              <a:latin typeface="Arial"/>
+            </a:endParaRPr>
+          </a:p>
+        </p:txBody>
+      </p:sp>
+      <p:sp>
+        <p:nvSpPr>
+          <p:cNvPr id="51" name="CustomShape 8"/>
+          <p:cNvSpPr/>
+          <p:nvPr/>
+        </p:nvSpPr>
+        <p:spPr>
+          <a:xfrm>
+            <a:off x="29303640" y="6756480"/>
+            <a:ext cx="8476200" cy="1564560"/>
+          </a:xfrm>
+          <a:prstGeom prst="rect">
+            <a:avLst/>
+          </a:prstGeom>
+          <a:noFill/>
+          <a:ln>
+            <a:noFill/>
+          </a:ln>
+        </p:spPr>
+        <p:style>
+          <a:lnRef idx="0"/>
+          <a:fillRef idx="0"/>
+          <a:effectRef idx="0"/>
+          <a:fontRef idx="minor"/>
+        </p:style>
+        <p:txBody>
+          <a:bodyPr lIns="90000" rIns="90000" tIns="45000" bIns="45000">
+            <a:spAutoFit/>
+          </a:bodyPr>
+          <a:p>
+            <a:pPr algn="just">
+              <a:lnSpc>
+                <a:spcPct val="110000"/>
+              </a:lnSpc>
+            </a:pPr>
+            <a:r>
+              <a:rPr b="0" lang="en-US" sz="4400" spc="-1" strike="noStrike" u="sng">
+                <a:solidFill>
+                  <a:srgbClr val="0000ff"/>
+                </a:solidFill>
+                <a:uFillTx/>
+                <a:latin typeface="Kalinga"/>
+                <a:ea typeface="DejaVu Sans"/>
+                <a:hlinkClick r:id="rId1"/>
+              </a:rPr>
+              <a:t>Colab: File</a:t>
+            </a:r>
+            <a:endParaRPr b="0" lang="en-US" sz="4400" spc="-1" strike="noStrike">
+              <a:latin typeface="Arial"/>
+            </a:endParaRPr>
+          </a:p>
+          <a:p>
+            <a:pPr algn="just">
+              <a:lnSpc>
+                <a:spcPct val="110000"/>
+              </a:lnSpc>
+            </a:pPr>
+            <a:r>
+              <a:rPr b="0" lang="en-US" sz="4400" spc="-1" strike="noStrike" u="sng">
+                <a:solidFill>
+                  <a:srgbClr val="0000ff"/>
+                </a:solidFill>
+                <a:uFillTx/>
+                <a:latin typeface="Kalinga"/>
+                <a:ea typeface="DejaVu Sans"/>
+                <a:hlinkClick r:id="rId2"/>
+              </a:rPr>
+              <a:t>Github: Repository</a:t>
+            </a:r>
+            <a:endParaRPr b="0" lang="en-US" sz="4400" spc="-1" strike="noStrike">
+              <a:latin typeface="Arial"/>
+            </a:endParaRPr>
+          </a:p>
+        </p:txBody>
+      </p:sp>
+      <p:sp>
+        <p:nvSpPr>
+          <p:cNvPr id="52" name="CustomShape 9"/>
+          <p:cNvSpPr/>
+          <p:nvPr/>
+        </p:nvSpPr>
+        <p:spPr>
+          <a:xfrm>
+            <a:off x="15028920" y="27290880"/>
+            <a:ext cx="3088080" cy="3837600"/>
+          </a:xfrm>
+          <a:prstGeom prst="rect">
+            <a:avLst/>
+          </a:prstGeom>
+          <a:noFill/>
+          <a:ln>
+            <a:noFill/>
+          </a:ln>
+        </p:spPr>
+        <p:style>
+          <a:lnRef idx="0"/>
+          <a:fillRef idx="0"/>
+          <a:effectRef idx="0"/>
+          <a:fontRef idx="minor"/>
+        </p:style>
+      </p:sp>
+      <p:sp>
+        <p:nvSpPr>
+          <p:cNvPr id="53" name="CustomShape 10"/>
+          <p:cNvSpPr/>
+          <p:nvPr/>
+        </p:nvSpPr>
+        <p:spPr>
+          <a:xfrm>
+            <a:off x="29230920" y="34327800"/>
+            <a:ext cx="8533440" cy="1791000"/>
+          </a:xfrm>
+          <a:prstGeom prst="rect">
+            <a:avLst/>
+          </a:prstGeom>
+          <a:noFill/>
+          <a:ln>
+            <a:noFill/>
+          </a:ln>
+        </p:spPr>
+        <p:style>
+          <a:lnRef idx="0"/>
+          <a:fillRef idx="0"/>
+          <a:effectRef idx="0"/>
+          <a:fontRef idx="minor"/>
+        </p:style>
+        <p:txBody>
+          <a:bodyPr lIns="171360" rIns="171360" tIns="85680" bIns="85680">
+            <a:spAutoFit/>
+          </a:bodyPr>
+          <a:p>
+            <a:pPr>
+              <a:lnSpc>
+                <a:spcPct val="100000"/>
+              </a:lnSpc>
+              <a:spcBef>
+                <a:spcPts val="2200"/>
+              </a:spcBef>
+            </a:pPr>
+            <a:r>
+              <a:rPr b="0" lang="en-US" sz="4400" spc="-1" strike="noStrike">
+                <a:solidFill>
+                  <a:srgbClr val="000000"/>
+                </a:solidFill>
+                <a:latin typeface="Kalinga"/>
+                <a:ea typeface="DejaVu Sans"/>
+              </a:rPr>
+              <a:t>- </a:t>
+            </a:r>
+            <a:r>
+              <a:rPr b="0" lang="en-US" sz="4400" spc="-1" strike="noStrike" u="sng">
+                <a:solidFill>
+                  <a:srgbClr val="0000ff"/>
+                </a:solidFill>
+                <a:uFillTx/>
+                <a:latin typeface="Kalinga"/>
+                <a:ea typeface="DejaVu Sans"/>
+                <a:hlinkClick r:id="rId3"/>
+              </a:rPr>
+              <a:t>Kaggle: Eruption Prediction</a:t>
+            </a:r>
+            <a:endParaRPr b="0" lang="en-US" sz="4400" spc="-1" strike="noStrike">
+              <a:latin typeface="Arial"/>
+            </a:endParaRPr>
+          </a:p>
+          <a:p>
+            <a:pPr>
+              <a:lnSpc>
+                <a:spcPct val="100000"/>
+              </a:lnSpc>
+              <a:spcBef>
+                <a:spcPts val="2200"/>
+              </a:spcBef>
+            </a:pPr>
+            <a:endParaRPr b="0" lang="en-US" sz="4400" spc="-1" strike="noStrike">
+              <a:latin typeface="Arial"/>
+            </a:endParaRPr>
+          </a:p>
+        </p:txBody>
+      </p:sp>
+      <p:sp>
+        <p:nvSpPr>
+          <p:cNvPr id="54" name="CustomShape 11"/>
+          <p:cNvSpPr/>
+          <p:nvPr/>
+        </p:nvSpPr>
+        <p:spPr>
+          <a:xfrm>
+            <a:off x="10058400" y="6766560"/>
+            <a:ext cx="18148320" cy="3050280"/>
+          </a:xfrm>
+          <a:prstGeom prst="rect">
+            <a:avLst/>
+          </a:prstGeom>
+          <a:noFill/>
+          <a:ln>
+            <a:noFill/>
+          </a:ln>
+        </p:spPr>
+        <p:style>
+          <a:lnRef idx="0"/>
+          <a:fillRef idx="0"/>
+          <a:effectRef idx="0"/>
+          <a:fontRef idx="minor"/>
+        </p:style>
+        <p:txBody>
+          <a:bodyPr lIns="90000" rIns="90000" tIns="45000" bIns="45000">
             <a:spAutoFit/>
           </a:bodyPr>
           <a:p>
@@ -2287,209 +2820,12 @@
                 <a:latin typeface="Kalinga"/>
                 <a:ea typeface="DejaVu Sans"/>
               </a:rPr>
-              <a:t>Scientist are monitoring  Volcanoes with sensors to find if they are close to eruption. They do this by surveying volcanic tremors from seismic signals. The problem is that the patterns from the seismic signals are difficult to interpret. The current approach helps predict eruptions in a short time period but fails at long time periods. </a:t>
+              <a:t>The task is to predict volcanic eruptions from 10 sensor’s data that are setup around a volcano. The table below is the 10 sensor’s data for one volcano.  </a:t>
             </a:r>
             <a:endParaRPr b="0" lang="en-US" sz="4400" spc="-1" strike="noStrike">
               <a:latin typeface="Arial"/>
             </a:endParaRPr>
           </a:p>
-        </p:txBody>
-      </p:sp>
-      <p:sp>
-        <p:nvSpPr>
-          <p:cNvPr id="50" name="CustomShape 8"/>
-          <p:cNvSpPr/>
-          <p:nvPr/>
-        </p:nvSpPr>
-        <p:spPr>
-          <a:xfrm>
-            <a:off x="29303640" y="6756480"/>
-            <a:ext cx="8476560" cy="827640"/>
-          </a:xfrm>
-          <a:prstGeom prst="rect">
-            <a:avLst/>
-          </a:prstGeom>
-          <a:noFill/>
-          <a:ln>
-            <a:noFill/>
-          </a:ln>
-        </p:spPr>
-        <p:style>
-          <a:lnRef idx="0"/>
-          <a:fillRef idx="0"/>
-          <a:effectRef idx="0"/>
-          <a:fontRef idx="minor"/>
-        </p:style>
-        <p:txBody>
-          <a:bodyPr lIns="90000" rIns="90000" tIns="45000" bIns="45000">
-            <a:spAutoFit/>
-          </a:bodyPr>
-          <a:p>
-            <a:pPr algn="just">
-              <a:lnSpc>
-                <a:spcPct val="110000"/>
-              </a:lnSpc>
-            </a:pPr>
-            <a:r>
-              <a:rPr b="0" lang="en-US" sz="4400" spc="-1" strike="noStrike">
-                <a:solidFill>
-                  <a:srgbClr val="000000"/>
-                </a:solidFill>
-                <a:latin typeface="Kalinga"/>
-                <a:ea typeface="DejaVu Sans"/>
-                <a:hlinkClick r:id="rId1"/>
-              </a:rPr>
-              <a:t>Final Project on Colab</a:t>
-            </a:r>
-            <a:endParaRPr b="0" lang="en-US" sz="4400" spc="-1" strike="noStrike">
-              <a:latin typeface="Arial"/>
-            </a:endParaRPr>
-          </a:p>
-        </p:txBody>
-      </p:sp>
-      <p:sp>
-        <p:nvSpPr>
-          <p:cNvPr id="51" name="CustomShape 9"/>
-          <p:cNvSpPr/>
-          <p:nvPr/>
-        </p:nvSpPr>
-        <p:spPr>
-          <a:xfrm>
-            <a:off x="15028920" y="27290880"/>
-            <a:ext cx="3088440" cy="3837960"/>
-          </a:xfrm>
-          <a:prstGeom prst="rect">
-            <a:avLst/>
-          </a:prstGeom>
-          <a:noFill/>
-          <a:ln>
-            <a:noFill/>
-          </a:ln>
-        </p:spPr>
-        <p:style>
-          <a:lnRef idx="0"/>
-          <a:fillRef idx="0"/>
-          <a:effectRef idx="0"/>
-          <a:fontRef idx="minor"/>
-        </p:style>
-      </p:sp>
-      <p:sp>
-        <p:nvSpPr>
-          <p:cNvPr id="52" name="CustomShape 10"/>
-          <p:cNvSpPr/>
-          <p:nvPr/>
-        </p:nvSpPr>
-        <p:spPr>
-          <a:xfrm>
-            <a:off x="29230920" y="33467040"/>
-            <a:ext cx="8533800" cy="1791000"/>
-          </a:xfrm>
-          <a:prstGeom prst="rect">
-            <a:avLst/>
-          </a:prstGeom>
-          <a:noFill/>
-          <a:ln>
-            <a:noFill/>
-          </a:ln>
-        </p:spPr>
-        <p:style>
-          <a:lnRef idx="0"/>
-          <a:fillRef idx="0"/>
-          <a:effectRef idx="0"/>
-          <a:fontRef idx="minor"/>
-        </p:style>
-        <p:txBody>
-          <a:bodyPr lIns="171360" rIns="171360" tIns="85680" bIns="85680">
-            <a:spAutoFit/>
-          </a:bodyPr>
-          <a:p>
-            <a:pPr>
-              <a:lnSpc>
-                <a:spcPct val="100000"/>
-              </a:lnSpc>
-              <a:spcBef>
-                <a:spcPts val="2200"/>
-              </a:spcBef>
-            </a:pPr>
-            <a:r>
-              <a:rPr b="0" lang="en-US" sz="4400" spc="-1" strike="noStrike">
-                <a:solidFill>
-                  <a:srgbClr val="000000"/>
-                </a:solidFill>
-                <a:latin typeface="Kalinga"/>
-                <a:ea typeface="DejaVu Sans"/>
-              </a:rPr>
-              <a:t>- </a:t>
-            </a:r>
-            <a:r>
-              <a:rPr b="0" lang="en-US" sz="4400" spc="-1" strike="noStrike">
-                <a:solidFill>
-                  <a:srgbClr val="000000"/>
-                </a:solidFill>
-                <a:latin typeface="Kalinga"/>
-                <a:ea typeface="DejaVu Sans"/>
-                <a:hlinkClick r:id="rId2"/>
-              </a:rPr>
-              <a:t>Kaggle: Eruption Prediction</a:t>
-            </a:r>
-            <a:endParaRPr b="0" lang="en-US" sz="4400" spc="-1" strike="noStrike">
-              <a:latin typeface="Arial"/>
-            </a:endParaRPr>
-          </a:p>
-          <a:p>
-            <a:pPr>
-              <a:lnSpc>
-                <a:spcPct val="100000"/>
-              </a:lnSpc>
-              <a:spcBef>
-                <a:spcPts val="2200"/>
-              </a:spcBef>
-            </a:pPr>
-            <a:r>
-              <a:rPr b="0" lang="en-US" sz="4400" spc="-1" strike="noStrike">
-                <a:solidFill>
-                  <a:srgbClr val="000000"/>
-                </a:solidFill>
-                <a:latin typeface="Kalinga"/>
-                <a:ea typeface="DejaVu Sans"/>
-              </a:rPr>
-              <a:t>- </a:t>
-            </a:r>
-            <a:endParaRPr b="0" lang="en-US" sz="4400" spc="-1" strike="noStrike">
-              <a:latin typeface="Arial"/>
-            </a:endParaRPr>
-          </a:p>
-        </p:txBody>
-      </p:sp>
-      <p:sp>
-        <p:nvSpPr>
-          <p:cNvPr id="53" name="CustomShape 11"/>
-          <p:cNvSpPr/>
-          <p:nvPr/>
-        </p:nvSpPr>
-        <p:spPr>
-          <a:xfrm>
-            <a:off x="10053000" y="6832440"/>
-            <a:ext cx="18148680" cy="3050280"/>
-          </a:xfrm>
-          <a:prstGeom prst="rect">
-            <a:avLst/>
-          </a:prstGeom>
-          <a:noFill/>
-          <a:ln>
-            <a:noFill/>
-          </a:ln>
-        </p:spPr>
-        <p:style>
-          <a:lnRef idx="0"/>
-          <a:fillRef idx="0"/>
-          <a:effectRef idx="0"/>
-          <a:fontRef idx="minor"/>
-        </p:style>
-        <p:txBody>
-          <a:bodyPr lIns="90000" rIns="90000" tIns="45000" bIns="45000">
-            <a:spAutoFit/>
-          </a:bodyPr>
           <a:p>
             <a:pPr algn="just">
               <a:lnSpc>
@@ -2499,20 +2835,140 @@
                 <a:spcPts val="2200"/>
               </a:spcBef>
             </a:pPr>
-            <a:r>
-              <a:rPr b="0" lang="en-US" sz="4400" spc="-1" strike="noStrike">
+            <a:endParaRPr b="0" lang="en-US" sz="4400" spc="-1" strike="noStrike">
+              <a:latin typeface="Arial"/>
+            </a:endParaRPr>
+          </a:p>
+        </p:txBody>
+      </p:sp>
+      <p:pic>
+        <p:nvPicPr>
+          <p:cNvPr id="55" name="Picture 377" descr="horizontal_stacked_logo_white.png"/>
+          <p:cNvPicPr/>
+          <p:nvPr/>
+        </p:nvPicPr>
+        <p:blipFill>
+          <a:blip r:embed="rId4"/>
+          <a:stretch/>
+        </p:blipFill>
+        <p:spPr>
+          <a:xfrm>
+            <a:off x="31318200" y="1905120"/>
+            <a:ext cx="6931440" cy="2595600"/>
+          </a:xfrm>
+          <a:prstGeom prst="rect">
+            <a:avLst/>
+          </a:prstGeom>
+          <a:ln>
+            <a:noFill/>
+          </a:ln>
+        </p:spPr>
+      </p:pic>
+      <p:pic>
+        <p:nvPicPr>
+          <p:cNvPr id="56" name="Picture 2" descr="http://cs.usu.edu/images/uploads/computer_science_logo.png"/>
+          <p:cNvPicPr/>
+          <p:nvPr/>
+        </p:nvPicPr>
+        <p:blipFill>
+          <a:blip r:embed="rId5"/>
+          <a:stretch/>
+        </p:blipFill>
+        <p:spPr>
+          <a:xfrm>
+            <a:off x="32271840" y="228600"/>
+            <a:ext cx="5751000" cy="1461240"/>
+          </a:xfrm>
+          <a:prstGeom prst="rect">
+            <a:avLst/>
+          </a:prstGeom>
+          <a:ln>
+            <a:noFill/>
+          </a:ln>
+        </p:spPr>
+      </p:pic>
+      <p:sp>
+        <p:nvSpPr>
+          <p:cNvPr id="57" name="CustomShape 12"/>
+          <p:cNvSpPr/>
+          <p:nvPr/>
+        </p:nvSpPr>
+        <p:spPr>
+          <a:xfrm>
+            <a:off x="224640" y="19659600"/>
+            <a:ext cx="9061920" cy="1199160"/>
+          </a:xfrm>
+          <a:prstGeom prst="rect">
+            <a:avLst/>
+          </a:prstGeom>
+          <a:solidFill>
+            <a:srgbClr val="00b0f0"/>
+          </a:solidFill>
+          <a:ln>
+            <a:noFill/>
+          </a:ln>
+        </p:spPr>
+        <p:style>
+          <a:lnRef idx="0"/>
+          <a:fillRef idx="0"/>
+          <a:effectRef idx="0"/>
+          <a:fontRef idx="minor"/>
+        </p:style>
+        <p:txBody>
+          <a:bodyPr wrap="none" lIns="137160" rIns="137160" tIns="68760" bIns="68760" anchor="ctr">
+            <a:noAutofit/>
+          </a:bodyPr>
+          <a:p>
+            <a:pPr algn="ctr">
+              <a:lnSpc>
+                <a:spcPct val="100000"/>
+              </a:lnSpc>
+            </a:pPr>
+            <a:r>
+              <a:rPr b="1" lang="en-US" sz="5500" spc="-1" strike="noStrike">
                 <a:solidFill>
-                  <a:srgbClr val="000000"/>
+                  <a:srgbClr val="ffffff"/>
                 </a:solidFill>
                 <a:latin typeface="Kalinga"/>
                 <a:ea typeface="DejaVu Sans"/>
               </a:rPr>
-              <a:t>The task was to predict volcanic eruptions from the 10 sensors data that where set around a volcano. The table below shows the 10 sensor and 60000 of their reading numbers.</a:t>
-            </a:r>
-            <a:endParaRPr b="0" lang="en-US" sz="4400" spc="-1" strike="noStrike">
-              <a:latin typeface="Arial"/>
-            </a:endParaRPr>
-          </a:p>
+              <a:t>Approach</a:t>
+            </a:r>
+            <a:endParaRPr b="0" lang="en-US" sz="5500" spc="-1" strike="noStrike">
+              <a:latin typeface="Arial"/>
+            </a:endParaRPr>
+          </a:p>
+        </p:txBody>
+      </p:sp>
+      <p:sp>
+        <p:nvSpPr>
+          <p:cNvPr id="58" name="CustomShape 13"/>
+          <p:cNvSpPr/>
+          <p:nvPr/>
+        </p:nvSpPr>
+        <p:spPr>
+          <a:xfrm>
+            <a:off x="622440" y="21234960"/>
+            <a:ext cx="8266680" cy="15108840"/>
+          </a:xfrm>
+          <a:prstGeom prst="rect">
+            <a:avLst/>
+          </a:prstGeom>
+          <a:noFill/>
+          <a:ln>
+            <a:noFill/>
+          </a:ln>
+        </p:spPr>
+        <p:style>
+          <a:lnRef idx="0"/>
+          <a:fillRef idx="0"/>
+          <a:effectRef idx="0"/>
+          <a:fontRef idx="minor"/>
+        </p:style>
+        <p:txBody>
+          <a:bodyPr lIns="137160" rIns="137160" tIns="68760" bIns="68760">
+            <a:spAutoFit/>
+          </a:bodyPr>
           <a:p>
             <a:pPr algn="just">
               <a:lnSpc>
@@ -2522,140 +2978,20 @@
                 <a:spcPts val="2200"/>
               </a:spcBef>
             </a:pPr>
-            <a:endParaRPr b="0" lang="en-US" sz="4400" spc="-1" strike="noStrike">
-              <a:latin typeface="Arial"/>
-            </a:endParaRPr>
-          </a:p>
-        </p:txBody>
-      </p:sp>
-      <p:pic>
-        <p:nvPicPr>
-          <p:cNvPr id="54" name="Picture 377" descr="horizontal_stacked_logo_white.png"/>
-          <p:cNvPicPr/>
-          <p:nvPr/>
-        </p:nvPicPr>
-        <p:blipFill>
-          <a:blip r:embed="rId3"/>
-          <a:stretch/>
-        </p:blipFill>
-        <p:spPr>
-          <a:xfrm>
-            <a:off x="31318200" y="1905120"/>
-            <a:ext cx="6931800" cy="2595960"/>
-          </a:xfrm>
-          <a:prstGeom prst="rect">
-            <a:avLst/>
-          </a:prstGeom>
-          <a:ln>
-            <a:noFill/>
-          </a:ln>
-        </p:spPr>
-      </p:pic>
-      <p:pic>
-        <p:nvPicPr>
-          <p:cNvPr id="55" name="Picture 2" descr="http://cs.usu.edu/images/uploads/computer_science_logo.png"/>
-          <p:cNvPicPr/>
-          <p:nvPr/>
-        </p:nvPicPr>
-        <p:blipFill>
-          <a:blip r:embed="rId4"/>
-          <a:stretch/>
-        </p:blipFill>
-        <p:spPr>
-          <a:xfrm>
-            <a:off x="32271840" y="228600"/>
-            <a:ext cx="5751360" cy="1461600"/>
-          </a:xfrm>
-          <a:prstGeom prst="rect">
-            <a:avLst/>
-          </a:prstGeom>
-          <a:ln>
-            <a:noFill/>
-          </a:ln>
-        </p:spPr>
-      </p:pic>
-      <p:sp>
-        <p:nvSpPr>
-          <p:cNvPr id="56" name="CustomShape 12"/>
-          <p:cNvSpPr/>
-          <p:nvPr/>
-        </p:nvSpPr>
-        <p:spPr>
-          <a:xfrm>
-            <a:off x="224640" y="19659600"/>
-            <a:ext cx="9062280" cy="1199520"/>
-          </a:xfrm>
-          <a:prstGeom prst="rect">
-            <a:avLst/>
-          </a:prstGeom>
-          <a:solidFill>
-            <a:srgbClr val="00b0f0"/>
-          </a:solidFill>
-          <a:ln>
-            <a:noFill/>
-          </a:ln>
-        </p:spPr>
-        <p:style>
-          <a:lnRef idx="0"/>
-          <a:fillRef idx="0"/>
-          <a:effectRef idx="0"/>
-          <a:fontRef idx="minor"/>
-        </p:style>
-        <p:txBody>
-          <a:bodyPr wrap="none" lIns="137160" rIns="137160" tIns="68760" bIns="68760" anchor="ctr">
-            <a:noAutofit/>
-          </a:bodyPr>
-          <a:p>
-            <a:pPr algn="ctr">
-              <a:lnSpc>
-                <a:spcPct val="100000"/>
-              </a:lnSpc>
-            </a:pPr>
-            <a:r>
-              <a:rPr b="1" lang="en-US" sz="5500" spc="-1" strike="noStrike">
+            <a:r>
+              <a:rPr b="0" lang="en-US" sz="4400" spc="-1" strike="noStrike">
                 <a:solidFill>
-                  <a:srgbClr val="ffffff"/>
+                  <a:srgbClr val="000000"/>
                 </a:solidFill>
                 <a:latin typeface="Kalinga"/>
                 <a:ea typeface="DejaVu Sans"/>
               </a:rPr>
-              <a:t>Approach</a:t>
-            </a:r>
-            <a:endParaRPr b="0" lang="en-US" sz="5500" spc="-1" strike="noStrike">
-              <a:latin typeface="Arial"/>
-            </a:endParaRPr>
-          </a:p>
-        </p:txBody>
-      </p:sp>
-      <p:sp>
-        <p:nvSpPr>
-          <p:cNvPr id="57" name="CustomShape 13"/>
-          <p:cNvSpPr/>
-          <p:nvPr/>
-        </p:nvSpPr>
-        <p:spPr>
-          <a:xfrm>
-            <a:off x="622440" y="21234960"/>
-            <a:ext cx="8267040" cy="5555880"/>
-          </a:xfrm>
-          <a:prstGeom prst="rect">
-            <a:avLst/>
-          </a:prstGeom>
-          <a:noFill/>
-          <a:ln>
-            <a:noFill/>
-          </a:ln>
-        </p:spPr>
-        <p:style>
-          <a:lnRef idx="0"/>
-          <a:fillRef idx="0"/>
-          <a:effectRef idx="0"/>
-          <a:fontRef idx="minor"/>
-        </p:style>
-        <p:txBody>
-          <a:bodyPr lIns="137160" rIns="137160" tIns="68760" bIns="68760">
-            <a:spAutoFit/>
-          </a:bodyPr>
+              <a:t>Steps I took for Project</a:t>
+            </a:r>
+            <a:endParaRPr b="0" lang="en-US" sz="4400" spc="-1" strike="noStrike">
+              <a:latin typeface="Arial"/>
+            </a:endParaRPr>
+          </a:p>
           <a:p>
             <a:pPr algn="just">
               <a:lnSpc>
@@ -2673,7 +3009,7 @@
                 <a:latin typeface="Kalinga"/>
                 <a:ea typeface="DejaVu Sans"/>
               </a:rPr>
-              <a:t>Sort data</a:t>
+              <a:t>1. Download data</a:t>
             </a:r>
             <a:endParaRPr b="0" lang="en-US" sz="4400" spc="-1" strike="noStrike">
               <a:latin typeface="Arial"/>
@@ -2696,7 +3032,7 @@
                 <a:latin typeface="Kalinga"/>
                 <a:ea typeface="DejaVu Sans"/>
               </a:rPr>
-              <a:t>Make NN</a:t>
+              <a:t>2. Create More Features</a:t>
             </a:r>
             <a:endParaRPr b="0" lang="en-US" sz="4400" spc="-1" strike="noStrike">
               <a:latin typeface="Arial"/>
@@ -2719,7 +3055,7 @@
                 <a:latin typeface="Kalinga"/>
                 <a:ea typeface="DejaVu Sans"/>
               </a:rPr>
-              <a:t>Train NN on data</a:t>
+              <a:t>3. Create Neural Network </a:t>
             </a:r>
             <a:endParaRPr b="0" lang="en-US" sz="4400" spc="-1" strike="noStrike">
               <a:latin typeface="Arial"/>
@@ -2742,7 +3078,7 @@
                 <a:latin typeface="Kalinga"/>
                 <a:ea typeface="DejaVu Sans"/>
               </a:rPr>
-              <a:t>Review results</a:t>
+              <a:t>4. Train Neural Network</a:t>
             </a:r>
             <a:endParaRPr b="0" lang="en-US" sz="4400" spc="-1" strike="noStrike">
               <a:latin typeface="Arial"/>
@@ -2765,7 +3101,7 @@
                 <a:latin typeface="Kalinga"/>
                 <a:ea typeface="DejaVu Sans"/>
               </a:rPr>
-              <a:t>Apply NN on test data </a:t>
+              <a:t>5. Review Results</a:t>
             </a:r>
             <a:endParaRPr b="0" lang="en-US" sz="4400" spc="-1" strike="noStrike">
               <a:latin typeface="Arial"/>
@@ -2788,24 +3124,60 @@
                 <a:latin typeface="Kalinga"/>
                 <a:ea typeface="DejaVu Sans"/>
               </a:rPr>
-              <a:t>Submit</a:t>
+              <a:t>6. Predict Eruption Times</a:t>
             </a:r>
             <a:endParaRPr b="0" lang="en-US" sz="4400" spc="-1" strike="noStrike">
               <a:latin typeface="Arial"/>
             </a:endParaRPr>
           </a:p>
-        </p:txBody>
-      </p:sp>
-      <p:sp>
-        <p:nvSpPr>
-          <p:cNvPr id="58" name="CustomShape 14"/>
+          <a:p>
+            <a:pPr algn="just">
+              <a:lnSpc>
+                <a:spcPct val="100000"/>
+              </a:lnSpc>
+              <a:spcBef>
+                <a:spcPts val="2200"/>
+              </a:spcBef>
+            </a:pPr>
+            <a:endParaRPr b="0" lang="en-US" sz="4400" spc="-1" strike="noStrike">
+              <a:latin typeface="Arial"/>
+            </a:endParaRPr>
+          </a:p>
+          <a:p>
+            <a:pPr algn="just">
+              <a:lnSpc>
+                <a:spcPct val="100000"/>
+              </a:lnSpc>
+              <a:spcBef>
+                <a:spcPts val="2200"/>
+              </a:spcBef>
+            </a:pPr>
+            <a:r>
+              <a:rPr b="0" lang="en-US" sz="4400" spc="-1" strike="noStrike">
+                <a:solidFill>
+                  <a:srgbClr val="000000"/>
+                </a:solidFill>
+                <a:latin typeface="Kalinga"/>
+                <a:ea typeface="DejaVu Sans"/>
+              </a:rPr>
+              <a:t>There are only 10 sensors for a volcano which is only 10 inputs to the neural network. To be able to get more features for the neural network, more information was created from the 10 inputs: sum, standard deviation, variation, etc., to reach 90 features to feed into the neural network.   </a:t>
+            </a:r>
+            <a:endParaRPr b="0" lang="en-US" sz="4400" spc="-1" strike="noStrike">
+              <a:latin typeface="Arial"/>
+            </a:endParaRPr>
+          </a:p>
+        </p:txBody>
+      </p:sp>
+      <p:sp>
+        <p:nvSpPr>
+          <p:cNvPr id="59" name="CustomShape 14"/>
           <p:cNvSpPr/>
           <p:nvPr/>
         </p:nvSpPr>
         <p:spPr>
           <a:xfrm>
             <a:off x="19635120" y="21676680"/>
-            <a:ext cx="8566560" cy="8804160"/>
+            <a:ext cx="8566200" cy="760680"/>
           </a:xfrm>
           <a:prstGeom prst="rect">
             <a:avLst/>
@@ -2821,6 +3193,32 @@
           <a:effectRef idx="0"/>
           <a:fontRef idx="minor"/>
         </p:style>
+      </p:sp>
+      <p:sp>
+        <p:nvSpPr>
+          <p:cNvPr id="60" name="CustomShape 15"/>
+          <p:cNvSpPr/>
+          <p:nvPr/>
+        </p:nvSpPr>
+        <p:spPr>
+          <a:xfrm>
+            <a:off x="13075920" y="28712160"/>
+            <a:ext cx="11795760" cy="760680"/>
+          </a:xfrm>
+          <a:prstGeom prst="rect">
+            <a:avLst/>
+          </a:prstGeom>
+          <a:noFill/>
+          <a:ln>
+            <a:noFill/>
+          </a:ln>
+        </p:spPr>
+        <p:style>
+          <a:lnRef idx="0"/>
+          <a:fillRef idx="0"/>
+          <a:effectRef idx="0"/>
+          <a:fontRef idx="minor"/>
+        </p:style>
         <p:txBody>
           <a:bodyPr lIns="90000" rIns="90000" tIns="45000" bIns="45000">
             <a:spAutoFit/>
@@ -2839,39 +3237,34 @@
                 <a:latin typeface="Kalinga"/>
                 <a:ea typeface="DejaVu Sans"/>
               </a:rPr>
-              <a:t>Use the diagram(s) and bulleted points to help in the explanation. </a:t>
-            </a:r>
-            <a:r>
-              <a:rPr b="0" lang="en-US" sz="4400" spc="-1" strike="noStrike">
-                <a:solidFill>
-                  <a:srgbClr val="808080"/>
-                </a:solidFill>
-                <a:latin typeface="Kalinga"/>
-                <a:ea typeface="DejaVu Sans"/>
-              </a:rPr>
-              <a:t>Lorem Ipsum is simply dummy text of the printing and typesetting industry. Lorem Ipsum has been the industry's standard dummy text ever since the 1500s, when an unknown printer took a galley of type and scrambled it to make a type specimen book. Lorem Ipsum is simply dummy text. </a:t>
+              <a:t>Neural network would usually guess high</a:t>
             </a:r>
             <a:endParaRPr b="0" lang="en-US" sz="4400" spc="-1" strike="noStrike">
-              <a:latin typeface="Arial"/>
-            </a:endParaRPr>
-          </a:p>
-        </p:txBody>
-      </p:sp>
-      <p:sp>
-        <p:nvSpPr>
-          <p:cNvPr id="59" name="CustomShape 15"/>
+              <a:solidFill>
+                <a:srgbClr val="000000"/>
+              </a:solidFill>
+              <a:latin typeface="Arial"/>
+            </a:endParaRPr>
+          </a:p>
+        </p:txBody>
+      </p:sp>
+      <p:sp>
+        <p:nvSpPr>
+          <p:cNvPr id="61" name="CustomShape 16"/>
           <p:cNvSpPr/>
           <p:nvPr/>
         </p:nvSpPr>
         <p:spPr>
           <a:xfrm>
-            <a:off x="10135080" y="31582800"/>
-            <a:ext cx="17836560" cy="4781880"/>
-          </a:xfrm>
-          <a:prstGeom prst="rect">
-            <a:avLst/>
-          </a:prstGeom>
-          <a:noFill/>
+            <a:off x="29063520" y="10139040"/>
+            <a:ext cx="9066600" cy="1199160"/>
+          </a:xfrm>
+          <a:prstGeom prst="rect">
+            <a:avLst/>
+          </a:prstGeom>
+          <a:solidFill>
+            <a:srgbClr val="00b0f0"/>
+          </a:solidFill>
           <a:ln>
             <a:noFill/>
           </a:ln>
@@ -2883,68 +3276,46 @@
           <a:fontRef idx="minor"/>
         </p:style>
         <p:txBody>
-          <a:bodyPr lIns="90000" rIns="90000" tIns="45000" bIns="45000">
-            <a:spAutoFit/>
-          </a:bodyPr>
-          <a:p>
-            <a:pPr algn="just">
+          <a:bodyPr wrap="none" lIns="137160" rIns="137160" tIns="68760" bIns="68760" anchor="ctr">
+            <a:noAutofit/>
+          </a:bodyPr>
+          <a:p>
+            <a:pPr algn="ctr">
               <a:lnSpc>
                 <a:spcPct val="100000"/>
               </a:lnSpc>
             </a:pPr>
             <a:r>
-              <a:rPr b="0" lang="en-US" sz="4400" spc="-1" strike="noStrike">
+              <a:rPr b="1" lang="en-US" sz="5500" spc="-1" strike="noStrike">
                 <a:solidFill>
-                  <a:srgbClr val="808080"/>
+                  <a:srgbClr val="ffffff"/>
                 </a:solidFill>
                 <a:latin typeface="Kalinga"/>
                 <a:ea typeface="DejaVu Sans"/>
               </a:rPr>
-              <a:t>Lorem Ipsum is simply dummy text of the printing and typesetting industry. Lorem Ipsum has been the industry's standard dummy text ever since the 1500s, when an unknown printer took a galley of type and scrambled it to make a type specimen book. </a:t>
-            </a:r>
-            <a:endParaRPr b="0" lang="en-US" sz="4400" spc="-1" strike="noStrike">
-              <a:latin typeface="Arial"/>
-            </a:endParaRPr>
-          </a:p>
-          <a:p>
-            <a:pPr algn="just">
-              <a:lnSpc>
-                <a:spcPct val="100000"/>
-              </a:lnSpc>
-            </a:pPr>
-            <a:r>
-              <a:rPr b="0" lang="en-US" sz="4400" spc="-1" strike="noStrike">
-                <a:solidFill>
-                  <a:srgbClr val="808080"/>
-                </a:solidFill>
-                <a:latin typeface="Kalinga"/>
-                <a:ea typeface="DejaVu Sans"/>
-              </a:rPr>
-              <a:t>It has survived not only five centuries, but also the leap into electronic typesetting, remaining essentially unchanged. </a:t>
-            </a:r>
-            <a:endParaRPr b="0" lang="en-US" sz="4400" spc="-1" strike="noStrike">
-              <a:latin typeface="Arial"/>
-            </a:endParaRPr>
-          </a:p>
-        </p:txBody>
-      </p:sp>
-      <p:sp>
-        <p:nvSpPr>
-          <p:cNvPr id="60" name="CustomShape 16"/>
+              <a:t>Analysis</a:t>
+            </a:r>
+            <a:endParaRPr b="0" lang="en-US" sz="5500" spc="-1" strike="noStrike">
+              <a:latin typeface="Arial"/>
+            </a:endParaRPr>
+          </a:p>
+        </p:txBody>
+      </p:sp>
+      <p:sp>
+        <p:nvSpPr>
+          <p:cNvPr id="62" name="CustomShape 17"/>
           <p:cNvSpPr/>
           <p:nvPr/>
         </p:nvSpPr>
         <p:spPr>
           <a:xfrm>
-            <a:off x="29108520" y="12869640"/>
-            <a:ext cx="9066960" cy="1199520"/>
-          </a:xfrm>
-          <a:prstGeom prst="rect">
-            <a:avLst/>
-          </a:prstGeom>
-          <a:solidFill>
-            <a:srgbClr val="00b0f0"/>
-          </a:solidFill>
+            <a:off x="30723840" y="17922240"/>
+            <a:ext cx="5852160" cy="842040"/>
+          </a:xfrm>
+          <a:prstGeom prst="rect">
+            <a:avLst/>
+          </a:prstGeom>
+          <a:noFill/>
           <a:ln>
             <a:noFill/>
           </a:ln>
@@ -2956,62 +3327,11 @@
           <a:fontRef idx="minor"/>
         </p:style>
         <p:txBody>
-          <a:bodyPr wrap="none" lIns="137160" rIns="137160" tIns="68760" bIns="68760" anchor="ctr">
-            <a:noAutofit/>
-          </a:bodyPr>
-          <a:p>
-            <a:pPr algn="ctr">
-              <a:lnSpc>
-                <a:spcPct val="100000"/>
-              </a:lnSpc>
-            </a:pPr>
-            <a:r>
-              <a:rPr b="1" lang="en-US" sz="5500" spc="-1" strike="noStrike">
-                <a:solidFill>
-                  <a:srgbClr val="ffffff"/>
-                </a:solidFill>
-                <a:latin typeface="Kalinga"/>
-                <a:ea typeface="DejaVu Sans"/>
-              </a:rPr>
-              <a:t>Analysis</a:t>
-            </a:r>
-            <a:endParaRPr b="0" lang="en-US" sz="5500" spc="-1" strike="noStrike">
-              <a:latin typeface="Arial"/>
-            </a:endParaRPr>
-          </a:p>
-        </p:txBody>
-      </p:sp>
-      <p:sp>
-        <p:nvSpPr>
-          <p:cNvPr id="61" name="CustomShape 17"/>
-          <p:cNvSpPr/>
-          <p:nvPr/>
-        </p:nvSpPr>
-        <p:spPr>
-          <a:xfrm>
-            <a:off x="29275200" y="14873400"/>
-            <a:ext cx="8533800" cy="8382960"/>
-          </a:xfrm>
-          <a:prstGeom prst="rect">
-            <a:avLst/>
-          </a:prstGeom>
-          <a:noFill/>
-          <a:ln>
-            <a:noFill/>
-          </a:ln>
-        </p:spPr>
-        <p:style>
-          <a:lnRef idx="0"/>
-          <a:fillRef idx="0"/>
-          <a:effectRef idx="0"/>
-          <a:fontRef idx="minor"/>
-        </p:style>
-        <p:txBody>
           <a:bodyPr lIns="171360" rIns="171360" tIns="85680" bIns="85680">
             <a:spAutoFit/>
           </a:bodyPr>
           <a:p>
-            <a:pPr marL="343080" indent="-342360">
+            <a:pPr marL="343080" indent="-342000">
               <a:lnSpc>
                 <a:spcPct val="100000"/>
               </a:lnSpc>
@@ -3032,148 +3352,24 @@
                 <a:latin typeface="Kalinga"/>
                 <a:ea typeface="DejaVu Sans"/>
               </a:rPr>
-              <a:t> </a:t>
-            </a:r>
-            <a:r>
-              <a:rPr b="0" lang="en-US" sz="4400" spc="-1" strike="noStrike">
-                <a:solidFill>
-                  <a:srgbClr val="000000"/>
-                </a:solidFill>
-                <a:latin typeface="Kalinga"/>
-                <a:ea typeface="DejaVu Sans"/>
-              </a:rPr>
-              <a:t>Specific skills and knowledge learned during the internship. These can include new technologies, software development techniques, background on the specific business, general work practices etc. </a:t>
+              <a:t>Loss Converging</a:t>
             </a:r>
             <a:endParaRPr b="0" lang="en-US" sz="4400" spc="-1" strike="noStrike">
               <a:latin typeface="Arial"/>
             </a:endParaRPr>
           </a:p>
-          <a:p>
-            <a:pPr marL="343080" indent="-342360">
-              <a:lnSpc>
-                <a:spcPct val="100000"/>
-              </a:lnSpc>
-              <a:spcBef>
-                <a:spcPts val="2200"/>
-              </a:spcBef>
-              <a:buClr>
-                <a:srgbClr val="000000"/>
-              </a:buClr>
-              <a:buFont typeface="StarSymbol"/>
-              <a:buAutoNum type="arabicPeriod"/>
-            </a:pPr>
-            <a:r>
-              <a:rPr b="0" lang="en-US" sz="4400" spc="-1" strike="noStrike">
-                <a:solidFill>
-                  <a:srgbClr val="000000"/>
-                </a:solidFill>
-                <a:latin typeface="Kalinga"/>
-                <a:ea typeface="DejaVu Sans"/>
-              </a:rPr>
-              <a:t> </a:t>
-            </a:r>
-            <a:r>
-              <a:rPr b="0" lang="en-US" sz="4400" spc="-1" strike="noStrike">
-                <a:solidFill>
-                  <a:srgbClr val="000000"/>
-                </a:solidFill>
-                <a:latin typeface="Kalinga"/>
-                <a:ea typeface="DejaVu Sans"/>
-              </a:rPr>
-              <a:t>Skill 2….</a:t>
-            </a:r>
-            <a:endParaRPr b="0" lang="en-US" sz="4400" spc="-1" strike="noStrike">
-              <a:latin typeface="Arial"/>
-            </a:endParaRPr>
-          </a:p>
-          <a:p>
-            <a:pPr marL="343080" indent="-342360">
-              <a:lnSpc>
-                <a:spcPct val="100000"/>
-              </a:lnSpc>
-              <a:spcBef>
-                <a:spcPts val="2200"/>
-              </a:spcBef>
-              <a:buClr>
-                <a:srgbClr val="000000"/>
-              </a:buClr>
-              <a:buFont typeface="StarSymbol"/>
-              <a:buAutoNum type="arabicPeriod"/>
-            </a:pPr>
-            <a:r>
-              <a:rPr b="0" lang="en-US" sz="4400" spc="-1" strike="noStrike">
-                <a:solidFill>
-                  <a:srgbClr val="000000"/>
-                </a:solidFill>
-                <a:latin typeface="Kalinga"/>
-                <a:ea typeface="DejaVu Sans"/>
-              </a:rPr>
-              <a:t> </a:t>
-            </a:r>
-            <a:r>
-              <a:rPr b="0" lang="en-US" sz="4400" spc="-1" strike="noStrike">
-                <a:solidFill>
-                  <a:srgbClr val="000000"/>
-                </a:solidFill>
-                <a:latin typeface="Kalinga"/>
-                <a:ea typeface="DejaVu Sans"/>
-              </a:rPr>
-              <a:t>Knowledge 2….</a:t>
-            </a:r>
-            <a:endParaRPr b="0" lang="en-US" sz="4400" spc="-1" strike="noStrike">
-              <a:latin typeface="Arial"/>
-            </a:endParaRPr>
-          </a:p>
-          <a:p>
-            <a:pPr marL="343080" indent="-342360">
-              <a:lnSpc>
-                <a:spcPct val="100000"/>
-              </a:lnSpc>
-              <a:spcBef>
-                <a:spcPts val="2200"/>
-              </a:spcBef>
-              <a:buClr>
-                <a:srgbClr val="000000"/>
-              </a:buClr>
-              <a:buFont typeface="StarSymbol"/>
-              <a:buAutoNum type="arabicPeriod"/>
-            </a:pPr>
-            <a:r>
-              <a:rPr b="0" lang="en-US" sz="4400" spc="-1" strike="noStrike">
-                <a:solidFill>
-                  <a:srgbClr val="000000"/>
-                </a:solidFill>
-                <a:latin typeface="Kalinga"/>
-                <a:ea typeface="DejaVu Sans"/>
-              </a:rPr>
-              <a:t> </a:t>
-            </a:r>
-            <a:r>
-              <a:rPr b="0" lang="en-US" sz="4400" spc="-1" strike="noStrike">
-                <a:solidFill>
-                  <a:srgbClr val="000000"/>
-                </a:solidFill>
-                <a:latin typeface="Kalinga"/>
-                <a:ea typeface="DejaVu Sans"/>
-              </a:rPr>
-              <a:t>Work Practice 3…</a:t>
-            </a:r>
-            <a:endParaRPr b="0" lang="en-US" sz="4400" spc="-1" strike="noStrike">
-              <a:latin typeface="Arial"/>
-            </a:endParaRPr>
-          </a:p>
-        </p:txBody>
-      </p:sp>
-      <p:sp>
-        <p:nvSpPr>
-          <p:cNvPr id="62" name="CustomShape 18"/>
+        </p:txBody>
+      </p:sp>
+      <p:sp>
+        <p:nvSpPr>
+          <p:cNvPr id="63" name="CustomShape 18"/>
           <p:cNvSpPr/>
           <p:nvPr/>
         </p:nvSpPr>
         <p:spPr>
           <a:xfrm>
             <a:off x="16037640" y="13410000"/>
-            <a:ext cx="7650000" cy="2831040"/>
+            <a:ext cx="7649640" cy="2830680"/>
           </a:xfrm>
           <a:prstGeom prst="rect">
             <a:avLst/>
@@ -3315,172 +3511,30 @@
           </a:p>
         </p:txBody>
       </p:sp>
-      <p:sp>
-        <p:nvSpPr>
-          <p:cNvPr id="63" name="CustomShape 19"/>
-          <p:cNvSpPr/>
-          <p:nvPr/>
-        </p:nvSpPr>
-        <p:spPr>
-          <a:xfrm>
-            <a:off x="10233720" y="21676680"/>
-            <a:ext cx="8893440" cy="8991000"/>
-          </a:xfrm>
-          <a:prstGeom prst="rect">
-            <a:avLst/>
-          </a:prstGeom>
-          <a:solidFill>
-            <a:schemeClr val="accent1"/>
-          </a:solidFill>
-          <a:ln w="9360">
-            <a:solidFill>
-              <a:schemeClr val="tx1"/>
-            </a:solidFill>
-            <a:round/>
-          </a:ln>
-        </p:spPr>
-        <p:style>
-          <a:lnRef idx="0"/>
-          <a:fillRef idx="0"/>
-          <a:effectRef idx="0"/>
-          <a:fontRef idx="minor"/>
-        </p:style>
-      </p:sp>
-      <p:sp>
-        <p:nvSpPr>
-          <p:cNvPr id="64" name="CustomShape 20"/>
-          <p:cNvSpPr/>
-          <p:nvPr/>
-        </p:nvSpPr>
-        <p:spPr>
-          <a:xfrm>
-            <a:off x="11802960" y="23930640"/>
-            <a:ext cx="6267600" cy="1917360"/>
-          </a:xfrm>
-          <a:prstGeom prst="rect">
-            <a:avLst/>
-          </a:prstGeom>
-          <a:noFill/>
-          <a:ln>
-            <a:noFill/>
-          </a:ln>
-        </p:spPr>
-        <p:style>
-          <a:lnRef idx="0"/>
-          <a:fillRef idx="0"/>
-          <a:effectRef idx="0"/>
-          <a:fontRef idx="minor"/>
-        </p:style>
-        <p:txBody>
-          <a:bodyPr wrap="none" lIns="90000" rIns="90000" tIns="45000" bIns="45000">
-            <a:spAutoFit/>
-          </a:bodyPr>
-          <a:p>
-            <a:pPr>
-              <a:lnSpc>
-                <a:spcPct val="100000"/>
-              </a:lnSpc>
-            </a:pPr>
-            <a:r>
-              <a:rPr b="0" lang="en-US" sz="3000" spc="-1" strike="noStrike">
-                <a:solidFill>
-                  <a:srgbClr val="000000"/>
-                </a:solidFill>
-                <a:latin typeface="Arial"/>
-                <a:ea typeface="DejaVu Sans"/>
-              </a:rPr>
-              <a:t>UI examples, System Components</a:t>
-            </a:r>
-            <a:endParaRPr b="0" lang="en-US" sz="3000" spc="-1" strike="noStrike">
-              <a:latin typeface="Arial"/>
-            </a:endParaRPr>
-          </a:p>
-          <a:p>
-            <a:pPr>
-              <a:lnSpc>
-                <a:spcPct val="100000"/>
-              </a:lnSpc>
-            </a:pPr>
-            <a:r>
-              <a:rPr b="0" lang="en-US" sz="3000" spc="-1" strike="noStrike">
-                <a:solidFill>
-                  <a:srgbClr val="000000"/>
-                </a:solidFill>
-                <a:latin typeface="Arial"/>
-                <a:ea typeface="DejaVu Sans"/>
-              </a:rPr>
-              <a:t>Etc. This must help the user quickly </a:t>
-            </a:r>
-            <a:endParaRPr b="0" lang="en-US" sz="3000" spc="-1" strike="noStrike">
-              <a:latin typeface="Arial"/>
-            </a:endParaRPr>
-          </a:p>
-          <a:p>
-            <a:pPr>
-              <a:lnSpc>
-                <a:spcPct val="100000"/>
-              </a:lnSpc>
-            </a:pPr>
-            <a:r>
-              <a:rPr b="0" lang="en-US" sz="3000" spc="-1" strike="noStrike">
-                <a:solidFill>
-                  <a:srgbClr val="000000"/>
-                </a:solidFill>
-                <a:latin typeface="Arial"/>
-                <a:ea typeface="DejaVu Sans"/>
-              </a:rPr>
-              <a:t>understand the project solutions.</a:t>
-            </a:r>
-            <a:endParaRPr b="0" lang="en-US" sz="3000" spc="-1" strike="noStrike">
-              <a:latin typeface="Arial"/>
-            </a:endParaRPr>
-          </a:p>
-          <a:p>
-            <a:pPr>
-              <a:lnSpc>
-                <a:spcPct val="100000"/>
-              </a:lnSpc>
-            </a:pPr>
-            <a:r>
-              <a:rPr b="0" lang="en-US" sz="3000" spc="-1" strike="noStrike">
-                <a:solidFill>
-                  <a:srgbClr val="000000"/>
-                </a:solidFill>
-                <a:latin typeface="Arial"/>
-                <a:ea typeface="DejaVu Sans"/>
-              </a:rPr>
-              <a:t>Maybe before and after?</a:t>
-            </a:r>
-            <a:endParaRPr b="0" lang="en-US" sz="3000" spc="-1" strike="noStrike">
-              <a:latin typeface="Arial"/>
-            </a:endParaRPr>
-          </a:p>
-        </p:txBody>
-      </p:sp>
       <p:grpSp>
         <p:nvGrpSpPr>
-          <p:cNvPr id="65" name="Group 21"/>
+          <p:cNvPr id="64" name="Group 19"/>
           <p:cNvGrpSpPr/>
           <p:nvPr/>
         </p:nvGrpSpPr>
         <p:grpSpPr>
           <a:xfrm>
             <a:off x="1200240" y="6686280"/>
-            <a:ext cx="7111440" cy="3180600"/>
+            <a:ext cx="7111080" cy="3180240"/>
             <a:chOff x="1200240" y="6686280"/>
-            <a:chExt cx="7111440" cy="3180600"/>
+            <a:chExt cx="7111080" cy="3180240"/>
           </a:xfrm>
         </p:grpSpPr>
         <p:sp>
           <p:nvSpPr>
-            <p:cNvPr id="66" name="CustomShape 22"/>
+            <p:cNvPr id="65" name="CustomShape 20"/>
             <p:cNvSpPr/>
             <p:nvPr/>
           </p:nvSpPr>
           <p:spPr>
             <a:xfrm>
               <a:off x="1200240" y="6686280"/>
-              <a:ext cx="7111440" cy="3180600"/>
+              <a:ext cx="7111080" cy="3180240"/>
             </a:xfrm>
             <a:prstGeom prst="rect">
               <a:avLst/>
@@ -3490,7 +3544,7 @@
             </a:solidFill>
             <a:ln w="9360">
               <a:solidFill>
-                <a:schemeClr val="tx1"/>
+                <a:srgbClr val="000000"/>
               </a:solidFill>
               <a:round/>
             </a:ln>
@@ -3504,14 +3558,14 @@
         </p:sp>
         <p:sp>
           <p:nvSpPr>
-            <p:cNvPr id="67" name="CustomShape 23"/>
+            <p:cNvPr id="66" name="CustomShape 21"/>
             <p:cNvSpPr/>
             <p:nvPr/>
           </p:nvSpPr>
           <p:spPr>
             <a:xfrm>
               <a:off x="3333960" y="7748280"/>
-              <a:ext cx="4062960" cy="546840"/>
+              <a:ext cx="4062600" cy="546480"/>
             </a:xfrm>
             <a:prstGeom prst="rect">
               <a:avLst/>
@@ -3547,117 +3601,7 @@
                   <a:latin typeface="Arial"/>
                   <a:ea typeface="DejaVu Sans"/>
                 </a:rPr>
-                <a:t>C</a:t>
-              </a:r>
-              <a:r>
-                <a:rPr b="0" lang="en-US" sz="3000" spc="-1" strike="noStrike">
-                  <a:solidFill>
-                    <a:srgbClr val="000000"/>
-                  </a:solidFill>
-                  <a:latin typeface="Arial"/>
-                  <a:ea typeface="DejaVu Sans"/>
-                </a:rPr>
-                <a:t>o</a:t>
-              </a:r>
-              <a:r>
-                <a:rPr b="0" lang="en-US" sz="3000" spc="-1" strike="noStrike">
-                  <a:solidFill>
-                    <a:srgbClr val="000000"/>
-                  </a:solidFill>
-                  <a:latin typeface="Arial"/>
-                  <a:ea typeface="DejaVu Sans"/>
-                </a:rPr>
-                <a:t>m</a:t>
-              </a:r>
-              <a:r>
-                <a:rPr b="0" lang="en-US" sz="3000" spc="-1" strike="noStrike">
-                  <a:solidFill>
-                    <a:srgbClr val="000000"/>
-                  </a:solidFill>
-                  <a:latin typeface="Arial"/>
-                  <a:ea typeface="DejaVu Sans"/>
-                </a:rPr>
-                <a:t>p</a:t>
-              </a:r>
-              <a:r>
-                <a:rPr b="0" lang="en-US" sz="3000" spc="-1" strike="noStrike">
-                  <a:solidFill>
-                    <a:srgbClr val="000000"/>
-                  </a:solidFill>
-                  <a:latin typeface="Arial"/>
-                  <a:ea typeface="DejaVu Sans"/>
-                </a:rPr>
-                <a:t>a</a:t>
-              </a:r>
-              <a:r>
-                <a:rPr b="0" lang="en-US" sz="3000" spc="-1" strike="noStrike">
-                  <a:solidFill>
-                    <a:srgbClr val="000000"/>
-                  </a:solidFill>
-                  <a:latin typeface="Arial"/>
-                  <a:ea typeface="DejaVu Sans"/>
-                </a:rPr>
-                <a:t>n</a:t>
-              </a:r>
-              <a:r>
-                <a:rPr b="0" lang="en-US" sz="3000" spc="-1" strike="noStrike">
-                  <a:solidFill>
-                    <a:srgbClr val="000000"/>
-                  </a:solidFill>
-                  <a:latin typeface="Arial"/>
-                  <a:ea typeface="DejaVu Sans"/>
-                </a:rPr>
-                <a:t>y</a:t>
-              </a:r>
-              <a:r>
-                <a:rPr b="0" lang="en-US" sz="3000" spc="-1" strike="noStrike">
-                  <a:solidFill>
-                    <a:srgbClr val="000000"/>
-                  </a:solidFill>
-                  <a:latin typeface="Arial"/>
-                  <a:ea typeface="DejaVu Sans"/>
-                </a:rPr>
-                <a:t> </a:t>
-              </a:r>
-              <a:r>
-                <a:rPr b="0" lang="en-US" sz="3000" spc="-1" strike="noStrike">
-                  <a:solidFill>
-                    <a:srgbClr val="000000"/>
-                  </a:solidFill>
-                  <a:latin typeface="Arial"/>
-                  <a:ea typeface="DejaVu Sans"/>
-                </a:rPr>
-                <a:t>L</a:t>
-              </a:r>
-              <a:r>
-                <a:rPr b="0" lang="en-US" sz="3000" spc="-1" strike="noStrike">
-                  <a:solidFill>
-                    <a:srgbClr val="000000"/>
-                  </a:solidFill>
-                  <a:latin typeface="Arial"/>
-                  <a:ea typeface="DejaVu Sans"/>
-                </a:rPr>
-                <a:t>o</a:t>
-              </a:r>
-              <a:r>
-                <a:rPr b="0" lang="en-US" sz="3000" spc="-1" strike="noStrike">
-                  <a:solidFill>
-                    <a:srgbClr val="000000"/>
-                  </a:solidFill>
-                  <a:latin typeface="Arial"/>
-                  <a:ea typeface="DejaVu Sans"/>
-                </a:rPr>
-                <a:t>g</a:t>
-              </a:r>
-              <a:r>
-                <a:rPr b="0" lang="en-US" sz="3000" spc="-1" strike="noStrike">
-                  <a:solidFill>
-                    <a:srgbClr val="000000"/>
-                  </a:solidFill>
-                  <a:latin typeface="Arial"/>
-                  <a:ea typeface="DejaVu Sans"/>
-                </a:rPr>
-                <a:t>o</a:t>
+                <a:t>Company Logo</a:t>
               </a:r>
               <a:endParaRPr b="0" lang="en-US" sz="3000" spc="-1" strike="noStrike">
                 <a:latin typeface="Arial"/>
@@ -3668,28 +3612,28 @@
       </p:grpSp>
       <p:grpSp>
         <p:nvGrpSpPr>
-          <p:cNvPr id="68" name="Group 24"/>
+          <p:cNvPr id="67" name="Group 22"/>
           <p:cNvGrpSpPr/>
           <p:nvPr/>
         </p:nvGrpSpPr>
         <p:grpSpPr>
           <a:xfrm>
             <a:off x="302760" y="441000"/>
-            <a:ext cx="3963600" cy="3825360"/>
+            <a:ext cx="3963240" cy="3825000"/>
             <a:chOff x="302760" y="441000"/>
-            <a:chExt cx="3963600" cy="3825360"/>
+            <a:chExt cx="3963240" cy="3825000"/>
           </a:xfrm>
         </p:grpSpPr>
         <p:sp>
           <p:nvSpPr>
-            <p:cNvPr id="69" name="CustomShape 25"/>
+            <p:cNvPr id="68" name="CustomShape 23"/>
             <p:cNvSpPr/>
             <p:nvPr/>
           </p:nvSpPr>
           <p:spPr>
             <a:xfrm>
               <a:off x="302760" y="441000"/>
-              <a:ext cx="3963600" cy="3825360"/>
+              <a:ext cx="3963240" cy="3825000"/>
             </a:xfrm>
             <a:prstGeom prst="rect">
               <a:avLst/>
@@ -3699,7 +3643,7 @@
             </a:solidFill>
             <a:ln w="9360">
               <a:solidFill>
-                <a:schemeClr val="tx1"/>
+                <a:srgbClr val="000000"/>
               </a:solidFill>
               <a:round/>
             </a:ln>
@@ -3713,14 +3657,14 @@
         </p:sp>
         <p:sp>
           <p:nvSpPr>
-            <p:cNvPr id="70" name="CustomShape 26"/>
+            <p:cNvPr id="69" name="CustomShape 24"/>
             <p:cNvSpPr/>
             <p:nvPr/>
           </p:nvSpPr>
           <p:spPr>
             <a:xfrm>
               <a:off x="1452960" y="1667520"/>
-              <a:ext cx="1663560" cy="1003680"/>
+              <a:ext cx="1663200" cy="1003320"/>
             </a:xfrm>
             <a:prstGeom prst="rect">
               <a:avLst/>
@@ -3767,18 +3711,41 @@
       </p:grpSp>
       <p:pic>
         <p:nvPicPr>
+          <p:cNvPr id="70" name="" descr=""/>
+          <p:cNvPicPr/>
+          <p:nvPr/>
+        </p:nvPicPr>
+        <p:blipFill>
+          <a:blip r:embed="rId6"/>
+          <a:stretch/>
+        </p:blipFill>
+        <p:spPr>
+          <a:xfrm>
+            <a:off x="274320" y="274320"/>
+            <a:ext cx="4082760" cy="4082760"/>
+          </a:xfrm>
+          <a:prstGeom prst="rect">
+            <a:avLst/>
+          </a:prstGeom>
+          <a:ln>
+            <a:noFill/>
+          </a:ln>
+        </p:spPr>
+      </p:pic>
+      <p:pic>
+        <p:nvPicPr>
           <p:cNvPr id="71" name="" descr=""/>
           <p:cNvPicPr/>
           <p:nvPr/>
         </p:nvPicPr>
         <p:blipFill>
-          <a:blip r:embed="rId5"/>
+          <a:blip r:embed="rId7"/>
           <a:stretch/>
         </p:blipFill>
         <p:spPr>
           <a:xfrm>
-            <a:off x="274320" y="274320"/>
-            <a:ext cx="4083120" cy="4083120"/>
+            <a:off x="1064520" y="6395400"/>
+            <a:ext cx="7347600" cy="4028400"/>
           </a:xfrm>
           <a:prstGeom prst="rect">
             <a:avLst/>
@@ -3795,13 +3762,13 @@
           <p:nvPr/>
         </p:nvPicPr>
         <p:blipFill>
-          <a:blip r:embed="rId6"/>
+          <a:blip r:embed="rId8"/>
           <a:stretch/>
         </p:blipFill>
         <p:spPr>
           <a:xfrm>
-            <a:off x="10058400" y="21572640"/>
-            <a:ext cx="11338560" cy="6773760"/>
+            <a:off x="10332720" y="10149840"/>
+            <a:ext cx="17647560" cy="7960320"/>
           </a:xfrm>
           <a:prstGeom prst="rect">
             <a:avLst/>
@@ -3811,62 +3778,16 @@
           </a:ln>
         </p:spPr>
       </p:pic>
-      <p:pic>
-        <p:nvPicPr>
-          <p:cNvPr id="73" name="" descr=""/>
-          <p:cNvPicPr/>
-          <p:nvPr/>
-        </p:nvPicPr>
-        <p:blipFill>
-          <a:blip r:embed="rId7"/>
-          <a:stretch/>
-        </p:blipFill>
-        <p:spPr>
-          <a:xfrm>
-            <a:off x="1064520" y="6395400"/>
-            <a:ext cx="7347960" cy="4028760"/>
-          </a:xfrm>
-          <a:prstGeom prst="rect">
-            <a:avLst/>
-          </a:prstGeom>
-          <a:ln>
-            <a:noFill/>
-          </a:ln>
-        </p:spPr>
-      </p:pic>
-      <p:pic>
-        <p:nvPicPr>
-          <p:cNvPr id="74" name="" descr=""/>
-          <p:cNvPicPr/>
-          <p:nvPr/>
-        </p:nvPicPr>
-        <p:blipFill>
-          <a:blip r:embed="rId8"/>
-          <a:stretch/>
-        </p:blipFill>
-        <p:spPr>
-          <a:xfrm>
-            <a:off x="10332720" y="11247120"/>
-            <a:ext cx="17647920" cy="7960680"/>
-          </a:xfrm>
-          <a:prstGeom prst="rect">
-            <a:avLst/>
-          </a:prstGeom>
-          <a:ln>
-            <a:noFill/>
-          </a:ln>
-        </p:spPr>
-      </p:pic>
-      <p:sp>
-        <p:nvSpPr>
-          <p:cNvPr id="75" name="CustomShape 27"/>
+      <p:sp>
+        <p:nvSpPr>
+          <p:cNvPr id="73" name="CustomShape 25"/>
           <p:cNvSpPr/>
           <p:nvPr/>
         </p:nvSpPr>
         <p:spPr>
           <a:xfrm>
-            <a:off x="29103840" y="25259040"/>
-            <a:ext cx="9066960" cy="1199520"/>
+            <a:off x="28986480" y="24688800"/>
+            <a:ext cx="9066600" cy="1199160"/>
           </a:xfrm>
           <a:prstGeom prst="rect">
             <a:avLst/>
@@ -3912,14 +3833,14 @@
       </p:sp>
       <p:sp>
         <p:nvSpPr>
-          <p:cNvPr id="76" name="TextShape 28"/>
-          <p:cNvSpPr txBox="1"/>
+          <p:cNvPr id="74" name="CustomShape 26"/>
+          <p:cNvSpPr/>
           <p:nvPr/>
         </p:nvSpPr>
         <p:spPr>
           <a:xfrm>
-            <a:off x="29169360" y="27066240"/>
-            <a:ext cx="9052560" cy="1463040"/>
+            <a:off x="28986480" y="26426520"/>
+            <a:ext cx="9052200" cy="1462680"/>
           </a:xfrm>
           <a:prstGeom prst="rect">
             <a:avLst/>
@@ -3929,11 +3850,22 @@
             <a:noFill/>
           </a:ln>
         </p:spPr>
+        <p:style>
+          <a:lnRef idx="0"/>
+          <a:fillRef idx="0"/>
+          <a:effectRef idx="0"/>
+          <a:fontRef idx="minor"/>
+        </p:style>
         <p:txBody>
           <a:bodyPr lIns="90000" rIns="90000" tIns="45000" bIns="45000">
             <a:noAutofit/>
           </a:bodyPr>
           <a:p>
+            <a:pPr>
+              <a:lnSpc>
+                <a:spcPct val="100000"/>
+              </a:lnSpc>
+            </a:pPr>
             <a:r>
               <a:rPr b="0" lang="en-US" sz="4400" spc="-1" strike="noStrike">
                 <a:solidFill>
@@ -3942,7 +3874,317 @@
                 <a:latin typeface="Kalinga"/>
                 <a:ea typeface="DejaVu Sans"/>
               </a:rPr>
-              <a:t>THIS IS HARD</a:t>
+              <a:t>The neural network was able to  learn how to predict a time, but seemed to guess higher and some predictions were way off. </a:t>
+            </a:r>
+            <a:endParaRPr b="0" lang="en-US" sz="4400" spc="-1" strike="noStrike">
+              <a:latin typeface="Arial"/>
+            </a:endParaRPr>
+          </a:p>
+          <a:p>
+            <a:pPr>
+              <a:lnSpc>
+                <a:spcPct val="100000"/>
+              </a:lnSpc>
+            </a:pPr>
+            <a:endParaRPr b="0" lang="en-US" sz="4400" spc="-1" strike="noStrike">
+              <a:latin typeface="Arial"/>
+            </a:endParaRPr>
+          </a:p>
+          <a:p>
+            <a:pPr>
+              <a:lnSpc>
+                <a:spcPct val="100000"/>
+              </a:lnSpc>
+            </a:pPr>
+            <a:endParaRPr b="0" lang="en-US" sz="4400" spc="-1" strike="noStrike">
+              <a:latin typeface="Arial"/>
+            </a:endParaRPr>
+          </a:p>
+          <a:p>
+            <a:pPr>
+              <a:lnSpc>
+                <a:spcPct val="100000"/>
+              </a:lnSpc>
+            </a:pPr>
+            <a:r>
+              <a:rPr b="0" lang="en-US" sz="4400" spc="-1" strike="noStrike">
+                <a:solidFill>
+                  <a:srgbClr val="000000"/>
+                </a:solidFill>
+                <a:latin typeface="Kalinga"/>
+                <a:ea typeface="DejaVu Sans"/>
+              </a:rPr>
+              <a:t>Kaggle Score: 12370277 </a:t>
+            </a:r>
+            <a:endParaRPr b="0" lang="en-US" sz="4400" spc="-1" strike="noStrike">
+              <a:latin typeface="Arial"/>
+            </a:endParaRPr>
+          </a:p>
+          <a:p>
+            <a:pPr>
+              <a:lnSpc>
+                <a:spcPct val="100000"/>
+              </a:lnSpc>
+            </a:pPr>
+            <a:r>
+              <a:rPr b="0" lang="en-US" sz="4400" spc="-1" strike="noStrike">
+                <a:solidFill>
+                  <a:srgbClr val="000000"/>
+                </a:solidFill>
+                <a:latin typeface="Kalinga"/>
+                <a:ea typeface="DejaVu Sans"/>
+              </a:rPr>
+              <a:t>Kaggle Position: 326</a:t>
+            </a:r>
+            <a:endParaRPr b="0" lang="en-US" sz="4400" spc="-1" strike="noStrike">
+              <a:latin typeface="Arial"/>
+            </a:endParaRPr>
+          </a:p>
+        </p:txBody>
+      </p:sp>
+      <p:pic>
+        <p:nvPicPr>
+          <p:cNvPr id="75" name="" descr=""/>
+          <p:cNvPicPr/>
+          <p:nvPr/>
+        </p:nvPicPr>
+        <p:blipFill>
+          <a:blip r:embed="rId9"/>
+          <a:stretch/>
+        </p:blipFill>
+        <p:spPr>
+          <a:xfrm>
+            <a:off x="29077920" y="19019520"/>
+            <a:ext cx="9025920" cy="5280120"/>
+          </a:xfrm>
+          <a:prstGeom prst="rect">
+            <a:avLst/>
+          </a:prstGeom>
+          <a:ln>
+            <a:noFill/>
+          </a:ln>
+        </p:spPr>
+      </p:pic>
+      <p:sp>
+        <p:nvSpPr>
+          <p:cNvPr id="76" name="CustomShape 27"/>
+          <p:cNvSpPr/>
+          <p:nvPr/>
+        </p:nvSpPr>
+        <p:spPr>
+          <a:xfrm>
+            <a:off x="10698480" y="22383720"/>
+            <a:ext cx="8533440" cy="842040"/>
+          </a:xfrm>
+          <a:prstGeom prst="rect">
+            <a:avLst/>
+          </a:prstGeom>
+          <a:noFill/>
+          <a:ln>
+            <a:noFill/>
+          </a:ln>
+        </p:spPr>
+        <p:style>
+          <a:lnRef idx="0"/>
+          <a:fillRef idx="0"/>
+          <a:effectRef idx="0"/>
+          <a:fontRef idx="minor"/>
+        </p:style>
+      </p:sp>
+      <p:pic>
+        <p:nvPicPr>
+          <p:cNvPr id="77" name="" descr=""/>
+          <p:cNvPicPr/>
+          <p:nvPr/>
+        </p:nvPicPr>
+        <p:blipFill>
+          <a:blip r:embed="rId10"/>
+          <a:stretch/>
+        </p:blipFill>
+        <p:spPr>
+          <a:xfrm>
+            <a:off x="11612880" y="29718000"/>
+            <a:ext cx="14356080" cy="8187120"/>
+          </a:xfrm>
+          <a:prstGeom prst="rect">
+            <a:avLst/>
+          </a:prstGeom>
+          <a:ln>
+            <a:noFill/>
+          </a:ln>
+        </p:spPr>
+      </p:pic>
+      <p:sp>
+        <p:nvSpPr>
+          <p:cNvPr id="78" name="CustomShape 28"/>
+          <p:cNvSpPr/>
+          <p:nvPr/>
+        </p:nvSpPr>
+        <p:spPr>
+          <a:xfrm>
+            <a:off x="29169360" y="11887200"/>
+            <a:ext cx="9235440" cy="760680"/>
+          </a:xfrm>
+          <a:prstGeom prst="rect">
+            <a:avLst/>
+          </a:prstGeom>
+          <a:noFill/>
+          <a:ln>
+            <a:noFill/>
+          </a:ln>
+        </p:spPr>
+        <p:style>
+          <a:lnRef idx="0"/>
+          <a:fillRef idx="0"/>
+          <a:effectRef idx="0"/>
+          <a:fontRef idx="minor"/>
+        </p:style>
+        <p:txBody>
+          <a:bodyPr lIns="90000" rIns="90000" tIns="45000" bIns="45000">
+            <a:spAutoFit/>
+          </a:bodyPr>
+          <a:p>
+            <a:pPr algn="ctr">
+              <a:lnSpc>
+                <a:spcPct val="100000"/>
+              </a:lnSpc>
+            </a:pPr>
+            <a:r>
+              <a:rPr b="0" lang="en-US" sz="4400" spc="-1" strike="noStrike">
+                <a:latin typeface="Kalinga"/>
+                <a:ea typeface="DejaVu Sans"/>
+              </a:rPr>
+              <a:t>Model for Neural Network</a:t>
+            </a:r>
+            <a:endParaRPr b="0" lang="en-US" sz="4400" spc="-1" strike="noStrike">
+              <a:latin typeface="Arial"/>
+            </a:endParaRPr>
+          </a:p>
+        </p:txBody>
+      </p:sp>
+      <p:pic>
+        <p:nvPicPr>
+          <p:cNvPr id="79" name="" descr=""/>
+          <p:cNvPicPr/>
+          <p:nvPr/>
+        </p:nvPicPr>
+        <p:blipFill>
+          <a:blip r:embed="rId11"/>
+          <a:stretch/>
+        </p:blipFill>
+        <p:spPr>
+          <a:xfrm>
+            <a:off x="29063520" y="12893040"/>
+            <a:ext cx="9095400" cy="4930920"/>
+          </a:xfrm>
+          <a:prstGeom prst="rect">
+            <a:avLst/>
+          </a:prstGeom>
+          <a:ln>
+            <a:noFill/>
+          </a:ln>
+        </p:spPr>
+      </p:pic>
+      <p:pic>
+        <p:nvPicPr>
+          <p:cNvPr id="80" name="" descr=""/>
+          <p:cNvPicPr/>
+          <p:nvPr/>
+        </p:nvPicPr>
+        <p:blipFill>
+          <a:blip r:embed="rId12"/>
+          <a:srcRect l="0" t="0" r="0" b="9600"/>
+          <a:stretch/>
+        </p:blipFill>
+        <p:spPr>
+          <a:xfrm>
+            <a:off x="10424160" y="22176720"/>
+            <a:ext cx="17850240" cy="6261120"/>
+          </a:xfrm>
+          <a:prstGeom prst="rect">
+            <a:avLst/>
+          </a:prstGeom>
+          <a:ln>
+            <a:noFill/>
+          </a:ln>
+        </p:spPr>
+      </p:pic>
+      <p:sp>
+        <p:nvSpPr>
+          <p:cNvPr id="81" name="TextShape 29"/>
+          <p:cNvSpPr txBox="1"/>
+          <p:nvPr/>
+        </p:nvSpPr>
+        <p:spPr>
+          <a:xfrm>
+            <a:off x="10332720" y="19933920"/>
+            <a:ext cx="17647920" cy="2242800"/>
+          </a:xfrm>
+          <a:prstGeom prst="rect">
+            <a:avLst/>
+          </a:prstGeom>
+          <a:noFill/>
+          <a:ln>
+            <a:noFill/>
+          </a:ln>
+        </p:spPr>
+        <p:txBody>
+          <a:bodyPr lIns="90000" rIns="90000" tIns="45000" bIns="45000">
+            <a:noAutofit/>
+          </a:bodyPr>
+          <a:p>
+            <a:pPr algn="ctr"/>
+            <a:r>
+              <a:rPr b="0" lang="en-US" sz="4400" spc="-1" strike="noStrike">
+                <a:solidFill>
+                  <a:srgbClr val="000000"/>
+                </a:solidFill>
+                <a:latin typeface="Kalinga"/>
+                <a:ea typeface="DejaVu Sans"/>
+              </a:rPr>
+              <a:t>Prediction Error = |Correct </a:t>
+            </a:r>
+            <a:r>
+              <a:rPr b="0" lang="en-US" sz="4400" spc="-1" strike="noStrike">
+                <a:solidFill>
+                  <a:srgbClr val="000000"/>
+                </a:solidFill>
+                <a:latin typeface="Kalinga"/>
+                <a:ea typeface="DejaVu Sans"/>
+              </a:rPr>
+              <a:t>Time - Prediction|</a:t>
+            </a:r>
+            <a:endParaRPr b="0" lang="en-US" sz="4400" spc="-1" strike="noStrike">
+              <a:latin typeface="Arial"/>
+            </a:endParaRPr>
+          </a:p>
+          <a:p>
+            <a:pPr algn="ctr"/>
+            <a:endParaRPr b="0" lang="en-US" sz="4400" spc="-1" strike="noStrike">
+              <a:latin typeface="Arial"/>
+            </a:endParaRPr>
+          </a:p>
+          <a:p>
+            <a:pPr algn="ctr"/>
+            <a:r>
+              <a:rPr b="0" lang="en-US" sz="4400" spc="-1" strike="noStrike">
+                <a:solidFill>
+                  <a:srgbClr val="000000"/>
+                </a:solidFill>
+                <a:latin typeface="Kalinga"/>
+                <a:ea typeface="DejaVu Sans"/>
+              </a:rPr>
+              <a:t>Max: 2040293571070    Min: </a:t>
+            </a:r>
+            <a:r>
+              <a:rPr b="0" lang="en-US" sz="4400" spc="-1" strike="noStrike">
+                <a:solidFill>
+                  <a:srgbClr val="000000"/>
+                </a:solidFill>
+                <a:latin typeface="Kalinga"/>
+                <a:ea typeface="DejaVu Sans"/>
+              </a:rPr>
+              <a:t>1265855    Avg: 2351607781</a:t>
             </a:r>
             <a:endParaRPr b="0" lang="en-US" sz="4400" spc="-1" strike="noStrike">
               <a:latin typeface="Arial"/>
@@ -3974,34 +4216,34 @@
         <a:sysClr val="window" lastClr="FFFFFF"/>
       </a:lt1>
       <a:dk2>
-        <a:srgbClr val="5b6973"/>
+        <a:srgbClr val="1f497d"/>
       </a:dk2>
       <a:lt2>
-        <a:srgbClr val="e7eced"/>
+        <a:srgbClr val="eeece1"/>
       </a:lt2>
       <a:accent1>
-        <a:srgbClr val="98c723"/>
+        <a:srgbClr val="4f81bd"/>
       </a:accent1>
       <a:accent2>
-        <a:srgbClr val="59b0b9"/>
+        <a:srgbClr val="c0504d"/>
       </a:accent2>
       <a:accent3>
-        <a:srgbClr val="deae00"/>
+        <a:srgbClr val="9bbb59"/>
       </a:accent3>
       <a:accent4>
-        <a:srgbClr val="b77bb4"/>
+        <a:srgbClr val="8064a2"/>
       </a:accent4>
       <a:accent5>
-        <a:srgbClr val="e0773c"/>
+        <a:srgbClr val="4bacc6"/>
       </a:accent5>
       <a:accent6>
-        <a:srgbClr val="a98d63"/>
+        <a:srgbClr val="f79646"/>
       </a:accent6>
       <a:hlink>
-        <a:srgbClr val="26cbec"/>
+        <a:srgbClr val="0000ff"/>
       </a:hlink>
       <a:folHlink>
-        <a:srgbClr val="598c8c"/>
+        <a:srgbClr val="800080"/>
       </a:folHlink>
     </a:clrScheme>
     <a:fontScheme name="Office">
@@ -4200,34 +4442,34 @@
         <a:sysClr val="window" lastClr="FFFFFF"/>
       </a:lt1>
       <a:dk2>
-        <a:srgbClr val="5b6973"/>
+        <a:srgbClr val="1f497d"/>
       </a:dk2>
       <a:lt2>
-        <a:srgbClr val="e7eced"/>
+        <a:srgbClr val="eeece1"/>
       </a:lt2>
       <a:accent1>
-        <a:srgbClr val="98c723"/>
+        <a:srgbClr val="4f81bd"/>
       </a:accent1>
       <a:accent2>
-        <a:srgbClr val="59b0b9"/>
+        <a:srgbClr val="c0504d"/>
       </a:accent2>
       <a:accent3>
-        <a:srgbClr val="deae00"/>
+        <a:srgbClr val="9bbb59"/>
       </a:accent3>
       <a:accent4>
-        <a:srgbClr val="b77bb4"/>
+        <a:srgbClr val="8064a2"/>
       </a:accent4>
       <a:accent5>
-        <a:srgbClr val="e0773c"/>
+        <a:srgbClr val="4bacc6"/>
       </a:accent5>
       <a:accent6>
-        <a:srgbClr val="a98d63"/>
+        <a:srgbClr val="f79646"/>
       </a:accent6>
       <a:hlink>
-        <a:srgbClr val="26cbec"/>
+        <a:srgbClr val="0000ff"/>
       </a:hlink>
       <a:folHlink>
-        <a:srgbClr val="598c8c"/>
+        <a:srgbClr val="800080"/>
       </a:folHlink>
     </a:clrScheme>
     <a:fontScheme name="Office">
